--- a/lectures/DJ-06-Views-Templates.pptx
+++ b/lectures/DJ-06-Views-Templates.pptx
@@ -3301,10 +3301,10 @@
           <p:cNvPr id="10" name="Rectangle 9">
             <a:extLst>
               <a:ext uri="{FF2B5EF4-FFF2-40B4-BE49-F238E27FC236}">
-                <a16:creationId xmlns:a16="http://schemas.microsoft.com/office/drawing/2014/main" id="{E20EB187-900F-4AF5-813B-101456D9FD39}"/>
+                <a16:creationId xmlns:a16="http://schemas.microsoft.com/office/drawing/2014/main" xmlns="" id="{E20EB187-900F-4AF5-813B-101456D9FD39}"/>
               </a:ext>
               <a:ext uri="{C183D7F6-B498-43B3-948B-1728B52AA6E4}">
-                <adec:decorative xmlns:adec="http://schemas.microsoft.com/office/drawing/2017/decorative" val="1"/>
+                <adec:decorative xmlns:adec="http://schemas.microsoft.com/office/drawing/2017/decorative" xmlns="" val="1"/>
               </a:ext>
             </a:extLst>
           </p:cNvPr>
@@ -3454,10 +3454,10 @@
           <p:cNvPr id="12" name="Straight Connector 11">
             <a:extLst>
               <a:ext uri="{FF2B5EF4-FFF2-40B4-BE49-F238E27FC236}">
-                <a16:creationId xmlns:a16="http://schemas.microsoft.com/office/drawing/2014/main" id="{624D17C8-E9C2-48A4-AA36-D7048A6CCC41}"/>
+                <a16:creationId xmlns:a16="http://schemas.microsoft.com/office/drawing/2014/main" xmlns="" id="{624D17C8-E9C2-48A4-AA36-D7048A6CCC41}"/>
               </a:ext>
               <a:ext uri="{C183D7F6-B498-43B3-948B-1728B52AA6E4}">
-                <adec:decorative xmlns:adec="http://schemas.microsoft.com/office/drawing/2017/decorative" val="1"/>
+                <adec:decorative xmlns:adec="http://schemas.microsoft.com/office/drawing/2017/decorative" xmlns="" val="1"/>
               </a:ext>
             </a:extLst>
           </p:cNvPr>
@@ -4538,7 +4538,7 @@
           </a:ln>
           <a:extLst>
             <a:ext uri="{C572A759-6A51-4108-AA02-DFA0A04FC94B}">
-              <ma14:wrappingTextBoxFlag xmlns:ma14="http://schemas.microsoft.com/office/mac/drawingml/2011/main" xmlns="" val="1"/>
+              <ma14:wrappingTextBoxFlag xmlns:ma14="http://schemas.microsoft.com/office/mac/drawingml/2011/main" val="1"/>
             </a:ext>
           </a:extLst>
         </p:spPr>
@@ -4586,7 +4586,7 @@
           </a:ln>
           <a:extLst>
             <a:ext uri="{C572A759-6A51-4108-AA02-DFA0A04FC94B}">
-              <ma14:wrappingTextBoxFlag xmlns:ma14="http://schemas.microsoft.com/office/mac/drawingml/2011/main" xmlns="" val="1"/>
+              <ma14:wrappingTextBoxFlag xmlns:ma14="http://schemas.microsoft.com/office/mac/drawingml/2011/main" val="1"/>
             </a:ext>
           </a:extLst>
         </p:spPr>
@@ -4641,7 +4641,7 @@
           </a:ln>
           <a:extLst>
             <a:ext uri="{C572A759-6A51-4108-AA02-DFA0A04FC94B}">
-              <ma14:wrappingTextBoxFlag xmlns:ma14="http://schemas.microsoft.com/office/mac/drawingml/2011/main" xmlns="" val="1"/>
+              <ma14:wrappingTextBoxFlag xmlns:ma14="http://schemas.microsoft.com/office/mac/drawingml/2011/main" val="1"/>
             </a:ext>
           </a:extLst>
         </p:spPr>
@@ -4724,7 +4724,7 @@
           </a:ln>
           <a:extLst>
             <a:ext uri="{C572A759-6A51-4108-AA02-DFA0A04FC94B}">
-              <ma14:wrappingTextBoxFlag xmlns:ma14="http://schemas.microsoft.com/office/mac/drawingml/2011/main" xmlns="" val="1"/>
+              <ma14:wrappingTextBoxFlag xmlns:ma14="http://schemas.microsoft.com/office/mac/drawingml/2011/main" val="1"/>
             </a:ext>
           </a:extLst>
         </p:spPr>
@@ -4931,7 +4931,7 @@
           </a:ln>
           <a:extLst>
             <a:ext uri="{C572A759-6A51-4108-AA02-DFA0A04FC94B}">
-              <ma14:wrappingTextBoxFlag xmlns:ma14="http://schemas.microsoft.com/office/mac/drawingml/2011/main" xmlns="" val="1"/>
+              <ma14:wrappingTextBoxFlag xmlns:ma14="http://schemas.microsoft.com/office/mac/drawingml/2011/main" val="1"/>
             </a:ext>
           </a:extLst>
         </p:spPr>
@@ -5007,7 +5007,7 @@
           </a:ln>
           <a:extLst>
             <a:ext uri="{C572A759-6A51-4108-AA02-DFA0A04FC94B}">
-              <ma14:wrappingTextBoxFlag xmlns:ma14="http://schemas.microsoft.com/office/mac/drawingml/2011/main" xmlns="" val="1"/>
+              <ma14:wrappingTextBoxFlag xmlns:ma14="http://schemas.microsoft.com/office/mac/drawingml/2011/main" val="1"/>
             </a:ext>
           </a:extLst>
         </p:spPr>
@@ -5185,7 +5185,7 @@
           </a:ln>
           <a:extLst>
             <a:ext uri="{C572A759-6A51-4108-AA02-DFA0A04FC94B}">
-              <ma14:wrappingTextBoxFlag xmlns:ma14="http://schemas.microsoft.com/office/mac/drawingml/2011/main" xmlns="" val="1"/>
+              <ma14:wrappingTextBoxFlag xmlns:ma14="http://schemas.microsoft.com/office/mac/drawingml/2011/main" val="1"/>
             </a:ext>
           </a:extLst>
         </p:spPr>
@@ -5364,7 +5364,7 @@
           </a:ln>
           <a:extLst>
             <a:ext uri="{C572A759-6A51-4108-AA02-DFA0A04FC94B}">
-              <ma14:wrappingTextBoxFlag xmlns:ma14="http://schemas.microsoft.com/office/mac/drawingml/2011/main" xmlns="" val="1"/>
+              <ma14:wrappingTextBoxFlag xmlns:ma14="http://schemas.microsoft.com/office/mac/drawingml/2011/main" val="1"/>
             </a:ext>
           </a:extLst>
         </p:spPr>
@@ -9631,7 +9631,7 @@
           </a:ln>
           <a:extLst>
             <a:ext uri="{C572A759-6A51-4108-AA02-DFA0A04FC94B}">
-              <ma14:wrappingTextBoxFlag xmlns:ma14="http://schemas.microsoft.com/office/mac/drawingml/2011/main" xmlns="" val="1"/>
+              <ma14:wrappingTextBoxFlag xmlns:ma14="http://schemas.microsoft.com/office/mac/drawingml/2011/main" val="1"/>
             </a:ext>
           </a:extLst>
         </p:spPr>
@@ -9707,7 +9707,7 @@
           </a:ln>
           <a:extLst>
             <a:ext uri="{C572A759-6A51-4108-AA02-DFA0A04FC94B}">
-              <ma14:wrappingTextBoxFlag xmlns:ma14="http://schemas.microsoft.com/office/mac/drawingml/2011/main" xmlns="" val="1"/>
+              <ma14:wrappingTextBoxFlag xmlns:ma14="http://schemas.microsoft.com/office/mac/drawingml/2011/main" val="1"/>
             </a:ext>
           </a:extLst>
         </p:spPr>
@@ -9755,7 +9755,7 @@
           </a:ln>
           <a:extLst>
             <a:ext uri="{C572A759-6A51-4108-AA02-DFA0A04FC94B}">
-              <ma14:wrappingTextBoxFlag xmlns:ma14="http://schemas.microsoft.com/office/mac/drawingml/2011/main" xmlns="" val="1"/>
+              <ma14:wrappingTextBoxFlag xmlns:ma14="http://schemas.microsoft.com/office/mac/drawingml/2011/main" val="1"/>
             </a:ext>
           </a:extLst>
         </p:spPr>
@@ -9879,7 +9879,7 @@
           </a:ln>
           <a:extLst>
             <a:ext uri="{C572A759-6A51-4108-AA02-DFA0A04FC94B}">
-              <ma14:wrappingTextBoxFlag xmlns:ma14="http://schemas.microsoft.com/office/mac/drawingml/2011/main" xmlns="" val="1"/>
+              <ma14:wrappingTextBoxFlag xmlns:ma14="http://schemas.microsoft.com/office/mac/drawingml/2011/main" val="1"/>
             </a:ext>
           </a:extLst>
         </p:spPr>
@@ -10017,7 +10017,7 @@
           </a:ln>
           <a:extLst>
             <a:ext uri="{C572A759-6A51-4108-AA02-DFA0A04FC94B}">
-              <ma14:wrappingTextBoxFlag xmlns:ma14="http://schemas.microsoft.com/office/mac/drawingml/2011/main" xmlns="" val="1"/>
+              <ma14:wrappingTextBoxFlag xmlns:ma14="http://schemas.microsoft.com/office/mac/drawingml/2011/main" val="1"/>
             </a:ext>
           </a:extLst>
         </p:spPr>
@@ -15315,7 +15315,7 @@
         <p:spPr bwMode="auto">
           <a:xfrm>
             <a:off x="889397" y="5232587"/>
-            <a:ext cx="10464403" cy="615553"/>
+            <a:ext cx="10618291" cy="615553"/>
           </a:xfrm>
           <a:prstGeom prst="rect">
             <a:avLst/>
@@ -15523,7 +15523,7 @@
               <a:t>https://</a:t>
             </a:r>
             <a:r>
-              <a:rPr lang="en-US" altLang="en-US" sz="2000" dirty="0" err="1">
+              <a:rPr lang="en-US" altLang="en-US" sz="2000" dirty="0" err="1" smtClean="0">
                 <a:latin typeface="Courier New" charset="0"/>
                 <a:ea typeface="Courier New" charset="0"/>
                 <a:cs typeface="Courier New" charset="0"/>
@@ -15531,15 +15531,15 @@
               <a:t>github.com</a:t>
             </a:r>
             <a:r>
-              <a:rPr lang="en-US" altLang="en-US" sz="2000" dirty="0">
-                <a:latin typeface="Courier New" charset="0"/>
-                <a:ea typeface="Courier New" charset="0"/>
-                <a:cs typeface="Courier New" charset="0"/>
-              </a:rPr>
-              <a:t>/csev/dj4e-samples/blob/master/views/home/</a:t>
-            </a:r>
-            <a:r>
-              <a:rPr lang="en-US" altLang="en-US" sz="2000" dirty="0" err="1">
+              <a:rPr lang="en-US" altLang="en-US" sz="2000" smtClean="0">
+                <a:latin typeface="Courier New" charset="0"/>
+                <a:ea typeface="Courier New" charset="0"/>
+                <a:cs typeface="Courier New" charset="0"/>
+              </a:rPr>
+              <a:t>/csev/dj4e-samples/blob/master/views/views/</a:t>
+            </a:r>
+            <a:r>
+              <a:rPr lang="en-US" altLang="en-US" sz="2000" dirty="0" err="1" smtClean="0">
                 <a:latin typeface="Courier New" charset="0"/>
                 <a:ea typeface="Courier New" charset="0"/>
                 <a:cs typeface="Courier New" charset="0"/>
@@ -15569,7 +15569,7 @@
               <a:t>https://</a:t>
             </a:r>
             <a:r>
-              <a:rPr lang="en-US" altLang="en-US" sz="2000" dirty="0" err="1">
+              <a:rPr lang="en-US" altLang="en-US" sz="2000" dirty="0" err="1" smtClean="0">
                 <a:latin typeface="Courier New" charset="0"/>
                 <a:ea typeface="Courier New" charset="0"/>
                 <a:cs typeface="Courier New" charset="0"/>
@@ -15577,15 +15577,15 @@
               <a:t>github.com</a:t>
             </a:r>
             <a:r>
-              <a:rPr lang="en-US" altLang="en-US" sz="2000" dirty="0">
-                <a:latin typeface="Courier New" charset="0"/>
-                <a:ea typeface="Courier New" charset="0"/>
-                <a:cs typeface="Courier New" charset="0"/>
-              </a:rPr>
-              <a:t>/csev/dj4e-samples/blob/master/views/home/</a:t>
-            </a:r>
-            <a:r>
-              <a:rPr lang="en-US" altLang="en-US" sz="2000" dirty="0" err="1">
+              <a:rPr lang="en-US" altLang="en-US" sz="2000" dirty="0" smtClean="0">
+                <a:latin typeface="Courier New" charset="0"/>
+                <a:ea typeface="Courier New" charset="0"/>
+                <a:cs typeface="Courier New" charset="0"/>
+              </a:rPr>
+              <a:t>/csev/dj4e-samples/blob/master/views/views/</a:t>
+            </a:r>
+            <a:r>
+              <a:rPr lang="en-US" altLang="en-US" sz="2000" dirty="0" err="1" smtClean="0">
                 <a:latin typeface="Courier New" charset="0"/>
                 <a:ea typeface="Courier New" charset="0"/>
                 <a:cs typeface="Courier New" charset="0"/>
@@ -16570,7 +16570,7 @@
         <p:spPr>
           <a:xfrm>
             <a:off x="8542508" y="191881"/>
-            <a:ext cx="3493264" cy="923330"/>
+            <a:ext cx="3631122" cy="923330"/>
           </a:xfrm>
           <a:prstGeom prst="rect">
             <a:avLst/>
@@ -16584,7 +16584,7 @@
           <a:lstStyle/>
           <a:p>
             <a:r>
-              <a:rPr lang="en-US" b="1" dirty="0">
+              <a:rPr lang="en-US" b="1" dirty="0" smtClean="0">
                 <a:solidFill>
                   <a:srgbClr val="FFFF00"/>
                 </a:solidFill>
@@ -16592,10 +16592,10 @@
                 <a:ea typeface="Courier New" charset="0"/>
                 <a:cs typeface="Courier New" charset="0"/>
               </a:rPr>
-              <a:t>home/</a:t>
-            </a:r>
-            <a:r>
-              <a:rPr lang="en-US" b="1" dirty="0" err="1">
+              <a:t>views/</a:t>
+            </a:r>
+            <a:r>
+              <a:rPr lang="en-US" b="1" dirty="0" err="1" smtClean="0">
                 <a:solidFill>
                   <a:srgbClr val="FFFF00"/>
                 </a:solidFill>
@@ -16616,15 +16616,15 @@
           </a:p>
           <a:p>
             <a:r>
-              <a:rPr lang="en-US" b="1" dirty="0">
-                <a:latin typeface="Courier New" charset="0"/>
-                <a:ea typeface="Courier New" charset="0"/>
-                <a:cs typeface="Courier New" charset="0"/>
-              </a:rPr>
-              <a:t>home/</a:t>
-            </a:r>
-            <a:r>
-              <a:rPr lang="en-US" b="1" dirty="0" err="1">
+              <a:rPr lang="en-US" b="1" dirty="0" smtClean="0">
+                <a:latin typeface="Courier New" charset="0"/>
+                <a:ea typeface="Courier New" charset="0"/>
+                <a:cs typeface="Courier New" charset="0"/>
+              </a:rPr>
+              <a:t>views/</a:t>
+            </a:r>
+            <a:r>
+              <a:rPr lang="en-US" b="1" dirty="0" err="1" smtClean="0">
                 <a:latin typeface="Courier New" charset="0"/>
                 <a:ea typeface="Courier New" charset="0"/>
                 <a:cs typeface="Courier New" charset="0"/>
@@ -16639,15 +16639,15 @@
           </a:p>
           <a:p>
             <a:r>
-              <a:rPr lang="en-US" b="1" dirty="0">
-                <a:latin typeface="Courier New" charset="0"/>
-                <a:ea typeface="Courier New" charset="0"/>
-                <a:cs typeface="Courier New" charset="0"/>
-              </a:rPr>
-              <a:t>home/templates/</a:t>
-            </a:r>
-            <a:r>
-              <a:rPr lang="en-US" b="1" dirty="0" err="1">
+              <a:rPr lang="en-US" b="1" dirty="0" smtClean="0">
+                <a:latin typeface="Courier New" charset="0"/>
+                <a:ea typeface="Courier New" charset="0"/>
+                <a:cs typeface="Courier New" charset="0"/>
+              </a:rPr>
+              <a:t>views/templates/</a:t>
+            </a:r>
+            <a:r>
+              <a:rPr lang="en-US" b="1" dirty="0" err="1" smtClean="0">
                 <a:latin typeface="Courier New" charset="0"/>
                 <a:ea typeface="Courier New" charset="0"/>
                 <a:cs typeface="Courier New" charset="0"/>
@@ -17019,10 +17019,21 @@
                 <a:ea typeface="Courier New" charset="0"/>
                 <a:cs typeface="Courier New" charset="0"/>
               </a:rPr>
-              <a:t>This page is coming from a file in home/templates/</a:t>
-            </a:r>
-            <a:r>
-              <a:rPr lang="en-US" b="1" dirty="0" err="1">
+              <a:t>This page is coming from a file in </a:t>
+            </a:r>
+            <a:r>
+              <a:rPr lang="en-US" b="1" dirty="0" smtClean="0">
+                <a:solidFill>
+                  <a:srgbClr val="000000"/>
+                </a:solidFill>
+                <a:latin typeface="Courier New" charset="0"/>
+                <a:ea typeface="Courier New" charset="0"/>
+                <a:cs typeface="Courier New" charset="0"/>
+              </a:rPr>
+              <a:t>views/templates/</a:t>
+            </a:r>
+            <a:r>
+              <a:rPr lang="en-US" b="1" dirty="0" err="1" smtClean="0">
                 <a:solidFill>
                   <a:srgbClr val="000000"/>
                 </a:solidFill>
@@ -17745,7 +17756,7 @@
         <p:spPr>
           <a:xfrm>
             <a:off x="8542508" y="191881"/>
-            <a:ext cx="3493264" cy="923330"/>
+            <a:ext cx="3631122" cy="923330"/>
           </a:xfrm>
           <a:prstGeom prst="rect">
             <a:avLst/>
@@ -17759,15 +17770,15 @@
           <a:lstStyle/>
           <a:p>
             <a:r>
-              <a:rPr lang="en-US" b="1" dirty="0">
-                <a:latin typeface="Courier New" charset="0"/>
-                <a:ea typeface="Courier New" charset="0"/>
-                <a:cs typeface="Courier New" charset="0"/>
-              </a:rPr>
-              <a:t>home/</a:t>
-            </a:r>
-            <a:r>
-              <a:rPr lang="en-US" b="1" dirty="0" err="1">
+              <a:rPr lang="en-US" b="1" dirty="0" smtClean="0">
+                <a:latin typeface="Courier New" charset="0"/>
+                <a:ea typeface="Courier New" charset="0"/>
+                <a:cs typeface="Courier New" charset="0"/>
+              </a:rPr>
+              <a:t>views/</a:t>
+            </a:r>
+            <a:r>
+              <a:rPr lang="en-US" b="1" dirty="0" err="1" smtClean="0">
                 <a:latin typeface="Courier New" charset="0"/>
                 <a:ea typeface="Courier New" charset="0"/>
                 <a:cs typeface="Courier New" charset="0"/>
@@ -17782,15 +17793,15 @@
           </a:p>
           <a:p>
             <a:r>
-              <a:rPr lang="en-US" b="1" dirty="0">
-                <a:latin typeface="Courier New" charset="0"/>
-                <a:ea typeface="Courier New" charset="0"/>
-                <a:cs typeface="Courier New" charset="0"/>
-              </a:rPr>
-              <a:t>home/</a:t>
-            </a:r>
-            <a:r>
-              <a:rPr lang="en-US" b="1" dirty="0" err="1">
+              <a:rPr lang="en-US" b="1" dirty="0" smtClean="0">
+                <a:latin typeface="Courier New" charset="0"/>
+                <a:ea typeface="Courier New" charset="0"/>
+                <a:cs typeface="Courier New" charset="0"/>
+              </a:rPr>
+              <a:t>views/</a:t>
+            </a:r>
+            <a:r>
+              <a:rPr lang="en-US" b="1" dirty="0" err="1" smtClean="0">
                 <a:latin typeface="Courier New" charset="0"/>
                 <a:ea typeface="Courier New" charset="0"/>
                 <a:cs typeface="Courier New" charset="0"/>
@@ -17805,7 +17816,7 @@
           </a:p>
           <a:p>
             <a:r>
-              <a:rPr lang="en-US" b="1" dirty="0">
+              <a:rPr lang="en-US" b="1" dirty="0" smtClean="0">
                 <a:solidFill>
                   <a:srgbClr val="FFFF00"/>
                 </a:solidFill>
@@ -17813,10 +17824,10 @@
                 <a:ea typeface="Courier New" charset="0"/>
                 <a:cs typeface="Courier New" charset="0"/>
               </a:rPr>
-              <a:t>home/templates/</a:t>
-            </a:r>
-            <a:r>
-              <a:rPr lang="en-US" b="1" dirty="0" err="1">
+              <a:t>views/templates/</a:t>
+            </a:r>
+            <a:r>
+              <a:rPr lang="en-US" b="1" dirty="0" err="1" smtClean="0">
                 <a:solidFill>
                   <a:srgbClr val="FFFF00"/>
                 </a:solidFill>
@@ -18524,7 +18535,7 @@
         <p:spPr>
           <a:xfrm>
             <a:off x="8542508" y="191881"/>
-            <a:ext cx="3493264" cy="923330"/>
+            <a:ext cx="3631122" cy="923330"/>
           </a:xfrm>
           <a:prstGeom prst="rect">
             <a:avLst/>
@@ -18538,15 +18549,15 @@
           <a:lstStyle/>
           <a:p>
             <a:r>
-              <a:rPr lang="en-US" b="1" dirty="0">
-                <a:latin typeface="Courier New" charset="0"/>
-                <a:ea typeface="Courier New" charset="0"/>
-                <a:cs typeface="Courier New" charset="0"/>
-              </a:rPr>
-              <a:t>home/</a:t>
-            </a:r>
-            <a:r>
-              <a:rPr lang="en-US" b="1" dirty="0" err="1">
+              <a:rPr lang="en-US" b="1" dirty="0" smtClean="0">
+                <a:latin typeface="Courier New" charset="0"/>
+                <a:ea typeface="Courier New" charset="0"/>
+                <a:cs typeface="Courier New" charset="0"/>
+              </a:rPr>
+              <a:t>views/</a:t>
+            </a:r>
+            <a:r>
+              <a:rPr lang="en-US" b="1" dirty="0" err="1" smtClean="0">
                 <a:latin typeface="Courier New" charset="0"/>
                 <a:ea typeface="Courier New" charset="0"/>
                 <a:cs typeface="Courier New" charset="0"/>
@@ -18561,7 +18572,7 @@
           </a:p>
           <a:p>
             <a:r>
-              <a:rPr lang="en-US" b="1" dirty="0">
+              <a:rPr lang="en-US" b="1" dirty="0" smtClean="0">
                 <a:solidFill>
                   <a:srgbClr val="FFFF00"/>
                 </a:solidFill>
@@ -18569,10 +18580,10 @@
                 <a:ea typeface="Courier New" charset="0"/>
                 <a:cs typeface="Courier New" charset="0"/>
               </a:rPr>
-              <a:t>home/</a:t>
-            </a:r>
-            <a:r>
-              <a:rPr lang="en-US" b="1" dirty="0" err="1">
+              <a:t>views/</a:t>
+            </a:r>
+            <a:r>
+              <a:rPr lang="en-US" b="1" dirty="0" err="1" smtClean="0">
                 <a:solidFill>
                   <a:srgbClr val="FFFF00"/>
                 </a:solidFill>
@@ -18593,15 +18604,15 @@
           </a:p>
           <a:p>
             <a:r>
-              <a:rPr lang="en-US" b="1" dirty="0">
-                <a:latin typeface="Courier New" charset="0"/>
-                <a:ea typeface="Courier New" charset="0"/>
-                <a:cs typeface="Courier New" charset="0"/>
-              </a:rPr>
-              <a:t>home/templates/</a:t>
-            </a:r>
-            <a:r>
-              <a:rPr lang="en-US" b="1" dirty="0" err="1">
+              <a:rPr lang="en-US" b="1" dirty="0" smtClean="0">
+                <a:latin typeface="Courier New" charset="0"/>
+                <a:ea typeface="Courier New" charset="0"/>
+                <a:cs typeface="Courier New" charset="0"/>
+              </a:rPr>
+              <a:t>views/templates/</a:t>
+            </a:r>
+            <a:r>
+              <a:rPr lang="en-US" b="1" dirty="0" err="1" smtClean="0">
                 <a:latin typeface="Courier New" charset="0"/>
                 <a:ea typeface="Courier New" charset="0"/>
                 <a:cs typeface="Courier New" charset="0"/>

--- a/lectures/DJ-06-Views-Templates.pptx
+++ b/lectures/DJ-06-Views-Templates.pptx
@@ -5,30 +5,31 @@
     <p:sldMasterId id="2147483660" r:id="rId1"/>
   </p:sldMasterIdLst>
   <p:notesMasterIdLst>
-    <p:notesMasterId r:id="rId23"/>
+    <p:notesMasterId r:id="rId24"/>
   </p:notesMasterIdLst>
   <p:sldIdLst>
     <p:sldId id="258" r:id="rId2"/>
     <p:sldId id="283" r:id="rId3"/>
     <p:sldId id="284" r:id="rId4"/>
     <p:sldId id="285" r:id="rId5"/>
-    <p:sldId id="286" r:id="rId6"/>
-    <p:sldId id="287" r:id="rId7"/>
+    <p:sldId id="287" r:id="rId6"/>
+    <p:sldId id="286" r:id="rId7"/>
     <p:sldId id="288" r:id="rId8"/>
     <p:sldId id="289" r:id="rId9"/>
     <p:sldId id="290" r:id="rId10"/>
-    <p:sldId id="282" r:id="rId11"/>
-    <p:sldId id="298" r:id="rId12"/>
-    <p:sldId id="299" r:id="rId13"/>
-    <p:sldId id="292" r:id="rId14"/>
-    <p:sldId id="291" r:id="rId15"/>
-    <p:sldId id="300" r:id="rId16"/>
-    <p:sldId id="293" r:id="rId17"/>
-    <p:sldId id="297" r:id="rId18"/>
-    <p:sldId id="295" r:id="rId19"/>
-    <p:sldId id="294" r:id="rId20"/>
-    <p:sldId id="281" r:id="rId21"/>
-    <p:sldId id="273" r:id="rId22"/>
+    <p:sldId id="301" r:id="rId11"/>
+    <p:sldId id="282" r:id="rId12"/>
+    <p:sldId id="298" r:id="rId13"/>
+    <p:sldId id="299" r:id="rId14"/>
+    <p:sldId id="292" r:id="rId15"/>
+    <p:sldId id="291" r:id="rId16"/>
+    <p:sldId id="300" r:id="rId17"/>
+    <p:sldId id="293" r:id="rId18"/>
+    <p:sldId id="297" r:id="rId19"/>
+    <p:sldId id="295" r:id="rId20"/>
+    <p:sldId id="294" r:id="rId21"/>
+    <p:sldId id="281" r:id="rId22"/>
+    <p:sldId id="273" r:id="rId23"/>
   </p:sldIdLst>
   <p:sldSz cx="12192000" cy="6858000"/>
   <p:notesSz cx="6858000" cy="9144000"/>
@@ -217,7 +218,7 @@
           <a:p>
             <a:fld id="{C97B56FC-7D2E-F343-9D09-0D14B00AA564}" type="datetimeFigureOut">
               <a:rPr lang="en-US" smtClean="0"/>
-              <a:t>9/21/19</a:t>
+              <a:t>9/22/19</a:t>
             </a:fld>
             <a:endParaRPr lang="en-US"/>
           </a:p>
@@ -614,7 +615,7 @@
           <a:p>
             <a:fld id="{EEE7C04C-7AF8-1445-A186-502B631B934F}" type="datetimeFigureOut">
               <a:rPr lang="en-US" smtClean="0"/>
-              <a:t>9/21/19</a:t>
+              <a:t>9/22/19</a:t>
             </a:fld>
             <a:endParaRPr lang="en-US"/>
           </a:p>
@@ -779,7 +780,7 @@
           <a:p>
             <a:fld id="{EEE7C04C-7AF8-1445-A186-502B631B934F}" type="datetimeFigureOut">
               <a:rPr lang="en-US" smtClean="0"/>
-              <a:t>9/21/19</a:t>
+              <a:t>9/22/19</a:t>
             </a:fld>
             <a:endParaRPr lang="en-US"/>
           </a:p>
@@ -954,7 +955,7 @@
           <a:p>
             <a:fld id="{EEE7C04C-7AF8-1445-A186-502B631B934F}" type="datetimeFigureOut">
               <a:rPr lang="en-US" smtClean="0"/>
-              <a:t>9/21/19</a:t>
+              <a:t>9/22/19</a:t>
             </a:fld>
             <a:endParaRPr lang="en-US"/>
           </a:p>
@@ -1119,7 +1120,7 @@
           <a:p>
             <a:fld id="{EEE7C04C-7AF8-1445-A186-502B631B934F}" type="datetimeFigureOut">
               <a:rPr lang="en-US" smtClean="0"/>
-              <a:t>9/21/19</a:t>
+              <a:t>9/22/19</a:t>
             </a:fld>
             <a:endParaRPr lang="en-US"/>
           </a:p>
@@ -1360,7 +1361,7 @@
           <a:p>
             <a:fld id="{EEE7C04C-7AF8-1445-A186-502B631B934F}" type="datetimeFigureOut">
               <a:rPr lang="en-US" smtClean="0"/>
-              <a:t>9/21/19</a:t>
+              <a:t>9/22/19</a:t>
             </a:fld>
             <a:endParaRPr lang="en-US"/>
           </a:p>
@@ -1587,7 +1588,7 @@
           <a:p>
             <a:fld id="{EEE7C04C-7AF8-1445-A186-502B631B934F}" type="datetimeFigureOut">
               <a:rPr lang="en-US" smtClean="0"/>
-              <a:t>9/21/19</a:t>
+              <a:t>9/22/19</a:t>
             </a:fld>
             <a:endParaRPr lang="en-US"/>
           </a:p>
@@ -1949,7 +1950,7 @@
           <a:p>
             <a:fld id="{EEE7C04C-7AF8-1445-A186-502B631B934F}" type="datetimeFigureOut">
               <a:rPr lang="en-US" smtClean="0"/>
-              <a:t>9/21/19</a:t>
+              <a:t>9/22/19</a:t>
             </a:fld>
             <a:endParaRPr lang="en-US"/>
           </a:p>
@@ -2062,7 +2063,7 @@
           <a:p>
             <a:fld id="{EEE7C04C-7AF8-1445-A186-502B631B934F}" type="datetimeFigureOut">
               <a:rPr lang="en-US" smtClean="0"/>
-              <a:t>9/21/19</a:t>
+              <a:t>9/22/19</a:t>
             </a:fld>
             <a:endParaRPr lang="en-US"/>
           </a:p>
@@ -2152,7 +2153,7 @@
           <a:p>
             <a:fld id="{EEE7C04C-7AF8-1445-A186-502B631B934F}" type="datetimeFigureOut">
               <a:rPr lang="en-US" smtClean="0"/>
-              <a:t>9/21/19</a:t>
+              <a:t>9/22/19</a:t>
             </a:fld>
             <a:endParaRPr lang="en-US"/>
           </a:p>
@@ -2424,7 +2425,7 @@
           <a:p>
             <a:fld id="{EEE7C04C-7AF8-1445-A186-502B631B934F}" type="datetimeFigureOut">
               <a:rPr lang="en-US" smtClean="0"/>
-              <a:t>9/21/19</a:t>
+              <a:t>9/22/19</a:t>
             </a:fld>
             <a:endParaRPr lang="en-US"/>
           </a:p>
@@ -2676,7 +2677,7 @@
           <a:p>
             <a:fld id="{EEE7C04C-7AF8-1445-A186-502B631B934F}" type="datetimeFigureOut">
               <a:rPr lang="en-US" smtClean="0"/>
-              <a:t>9/21/19</a:t>
+              <a:t>9/22/19</a:t>
             </a:fld>
             <a:endParaRPr lang="en-US"/>
           </a:p>
@@ -2883,7 +2884,7 @@
           <a:p>
             <a:fld id="{EEE7C04C-7AF8-1445-A186-502B631B934F}" type="datetimeFigureOut">
               <a:rPr lang="en-US" smtClean="0"/>
-              <a:t>9/21/19</a:t>
+              <a:t>9/22/19</a:t>
             </a:fld>
             <a:endParaRPr lang="en-US"/>
           </a:p>
@@ -3301,10 +3302,10 @@
           <p:cNvPr id="10" name="Rectangle 9">
             <a:extLst>
               <a:ext uri="{FF2B5EF4-FFF2-40B4-BE49-F238E27FC236}">
-                <a16:creationId xmlns:a16="http://schemas.microsoft.com/office/drawing/2014/main" xmlns="" id="{E20EB187-900F-4AF5-813B-101456D9FD39}"/>
+                <a16:creationId xmlns="" xmlns:a16="http://schemas.microsoft.com/office/drawing/2014/main" id="{E20EB187-900F-4AF5-813B-101456D9FD39}"/>
               </a:ext>
               <a:ext uri="{C183D7F6-B498-43B3-948B-1728B52AA6E4}">
-                <adec:decorative xmlns:adec="http://schemas.microsoft.com/office/drawing/2017/decorative" xmlns="" val="1"/>
+                <adec:decorative xmlns="" xmlns:adec="http://schemas.microsoft.com/office/drawing/2017/decorative" val="1"/>
               </a:ext>
             </a:extLst>
           </p:cNvPr>
@@ -3454,10 +3455,10 @@
           <p:cNvPr id="12" name="Straight Connector 11">
             <a:extLst>
               <a:ext uri="{FF2B5EF4-FFF2-40B4-BE49-F238E27FC236}">
-                <a16:creationId xmlns:a16="http://schemas.microsoft.com/office/drawing/2014/main" xmlns="" id="{624D17C8-E9C2-48A4-AA36-D7048A6CCC41}"/>
+                <a16:creationId xmlns="" xmlns:a16="http://schemas.microsoft.com/office/drawing/2014/main" id="{624D17C8-E9C2-48A4-AA36-D7048A6CCC41}"/>
               </a:ext>
               <a:ext uri="{C183D7F6-B498-43B3-948B-1728B52AA6E4}">
-                <adec:decorative xmlns:adec="http://schemas.microsoft.com/office/drawing/2017/decorative" xmlns="" val="1"/>
+                <adec:decorative xmlns="" xmlns:adec="http://schemas.microsoft.com/office/drawing/2017/decorative" val="1"/>
               </a:ext>
             </a:extLst>
           </p:cNvPr>
@@ -3587,6 +3588,97 @@
       </p:grpSpPr>
       <p:sp>
         <p:nvSpPr>
+          <p:cNvPr id="3" name="Title 2"/>
+          <p:cNvSpPr>
+            <a:spLocks noGrp="1"/>
+          </p:cNvSpPr>
+          <p:nvPr>
+            <p:ph type="title"/>
+          </p:nvPr>
+        </p:nvSpPr>
+        <p:spPr/>
+        <p:txBody>
+          <a:bodyPr/>
+          <a:lstStyle/>
+          <a:p>
+            <a:r>
+              <a:rPr lang="en-US" dirty="0" smtClean="0"/>
+              <a:t>Templates to Organize HTML</a:t>
+            </a:r>
+            <a:endParaRPr lang="en-US" dirty="0"/>
+          </a:p>
+        </p:txBody>
+      </p:sp>
+      <p:sp>
+        <p:nvSpPr>
+          <p:cNvPr id="4" name="Text Placeholder 3"/>
+          <p:cNvSpPr>
+            <a:spLocks noGrp="1"/>
+          </p:cNvSpPr>
+          <p:nvPr>
+            <p:ph type="body" idx="1"/>
+          </p:nvPr>
+        </p:nvSpPr>
+        <p:spPr/>
+        <p:txBody>
+          <a:bodyPr/>
+          <a:lstStyle/>
+          <a:p>
+            <a:r>
+              <a:rPr lang="en-US" dirty="0"/>
+              <a:t>https://</a:t>
+            </a:r>
+            <a:r>
+              <a:rPr lang="en-US" dirty="0" err="1"/>
+              <a:t>github.com</a:t>
+            </a:r>
+            <a:r>
+              <a:rPr lang="en-US" dirty="0"/>
+              <a:t>/csev/dj4e-samples/tree/master/</a:t>
+            </a:r>
+            <a:r>
+              <a:rPr lang="en-US" dirty="0" err="1"/>
+              <a:t>tmpl</a:t>
+            </a:r>
+            <a:endParaRPr lang="en-US" dirty="0"/>
+          </a:p>
+          <a:p>
+            <a:endParaRPr lang="en-US" dirty="0"/>
+          </a:p>
+        </p:txBody>
+      </p:sp>
+    </p:spTree>
+    <p:extLst>
+      <p:ext uri="{BB962C8B-B14F-4D97-AF65-F5344CB8AC3E}">
+        <p14:creationId xmlns:p14="http://schemas.microsoft.com/office/powerpoint/2010/main" val="193373368"/>
+      </p:ext>
+    </p:extLst>
+  </p:cSld>
+  <p:clrMapOvr>
+    <a:masterClrMapping/>
+  </p:clrMapOvr>
+</p:sld>
+</file>
+
+<file path=ppt/slides/slide11.xml><?xml version="1.0" encoding="utf-8"?>
+<p:sld xmlns:a="http://schemas.openxmlformats.org/drawingml/2006/main" xmlns:r="http://schemas.openxmlformats.org/officeDocument/2006/relationships" xmlns:p="http://schemas.openxmlformats.org/presentationml/2006/main">
+  <p:cSld>
+    <p:spTree>
+      <p:nvGrpSpPr>
+        <p:cNvPr id="1" name=""/>
+        <p:cNvGrpSpPr/>
+        <p:nvPr/>
+      </p:nvGrpSpPr>
+      <p:grpSpPr>
+        <a:xfrm>
+          <a:off x="0" y="0"/>
+          <a:ext cx="0" cy="0"/>
+          <a:chOff x="0" y="0"/>
+          <a:chExt cx="0" cy="0"/>
+        </a:xfrm>
+      </p:grpSpPr>
+      <p:sp>
+        <p:nvSpPr>
           <p:cNvPr id="2" name="Title 1"/>
           <p:cNvSpPr>
             <a:spLocks noGrp="1"/>
@@ -4421,7 +4513,7 @@
         <p:spPr>
           <a:xfrm>
             <a:off x="2074706" y="6099985"/>
-            <a:ext cx="8180445" cy="369332"/>
+            <a:ext cx="7491153" cy="369332"/>
           </a:xfrm>
           <a:prstGeom prst="rect">
             <a:avLst/>
@@ -4442,7 +4534,7 @@
               <a:t>https://</a:t>
             </a:r>
             <a:r>
-              <a:rPr lang="en-US" b="1" dirty="0" err="1">
+              <a:rPr lang="en-US" b="1" dirty="0" err="1" smtClean="0">
                 <a:latin typeface="Courier New" charset="0"/>
                 <a:ea typeface="Courier New" charset="0"/>
                 <a:cs typeface="Courier New" charset="0"/>
@@ -4450,13 +4542,26 @@
               <a:t>github.com</a:t>
             </a:r>
             <a:r>
-              <a:rPr lang="en-US" b="1" dirty="0">
-                <a:latin typeface="Courier New" charset="0"/>
-                <a:ea typeface="Courier New" charset="0"/>
-                <a:cs typeface="Courier New" charset="0"/>
-              </a:rPr>
-              <a:t>/csev/dj4e-samples/tree/master/templates</a:t>
-            </a:r>
+              <a:rPr lang="en-US" b="1" dirty="0" smtClean="0">
+                <a:latin typeface="Courier New" charset="0"/>
+                <a:ea typeface="Courier New" charset="0"/>
+                <a:cs typeface="Courier New" charset="0"/>
+              </a:rPr>
+              <a:t>/csev/dj4e-samples/tree/master/</a:t>
+            </a:r>
+            <a:r>
+              <a:rPr lang="en-US" b="1" dirty="0" err="1" smtClean="0">
+                <a:latin typeface="Courier New" charset="0"/>
+                <a:ea typeface="Courier New" charset="0"/>
+                <a:cs typeface="Courier New" charset="0"/>
+              </a:rPr>
+              <a:t>tmpl</a:t>
+            </a:r>
+            <a:endParaRPr lang="en-US" b="1" dirty="0">
+              <a:latin typeface="Courier New" charset="0"/>
+              <a:ea typeface="Courier New" charset="0"/>
+              <a:cs typeface="Courier New" charset="0"/>
+            </a:endParaRPr>
           </a:p>
         </p:txBody>
       </p:sp>
@@ -4473,7 +4578,7 @@
 </p:sld>
 </file>
 
-<file path=ppt/slides/slide11.xml><?xml version="1.0" encoding="utf-8"?>
+<file path=ppt/slides/slide12.xml><?xml version="1.0" encoding="utf-8"?>
 <p:sld xmlns:a="http://schemas.openxmlformats.org/drawingml/2006/main" xmlns:r="http://schemas.openxmlformats.org/officeDocument/2006/relationships" xmlns:p="http://schemas.openxmlformats.org/presentationml/2006/main">
   <p:cSld>
     <p:spTree>
@@ -4892,7 +4997,7 @@
 </p:sld>
 </file>
 
-<file path=ppt/slides/slide12.xml><?xml version="1.0" encoding="utf-8"?>
+<file path=ppt/slides/slide13.xml><?xml version="1.0" encoding="utf-8"?>
 <p:sld xmlns:a="http://schemas.openxmlformats.org/drawingml/2006/main" xmlns:r="http://schemas.openxmlformats.org/officeDocument/2006/relationships" xmlns:p="http://schemas.openxmlformats.org/presentationml/2006/main">
   <p:cSld>
     <p:spTree>
@@ -5663,7 +5768,7 @@
 </p:sld>
 </file>
 
-<file path=ppt/slides/slide13.xml><?xml version="1.0" encoding="utf-8"?>
+<file path=ppt/slides/slide14.xml><?xml version="1.0" encoding="utf-8"?>
 <p:sld xmlns:a="http://schemas.openxmlformats.org/drawingml/2006/main" xmlns:r="http://schemas.openxmlformats.org/officeDocument/2006/relationships" xmlns:p="http://schemas.openxmlformats.org/presentationml/2006/main">
   <p:cSld>
     <p:spTree>
@@ -6315,7 +6420,7 @@
 </p:sld>
 </file>
 
-<file path=ppt/slides/slide14.xml><?xml version="1.0" encoding="utf-8"?>
+<file path=ppt/slides/slide15.xml><?xml version="1.0" encoding="utf-8"?>
 <p:sld xmlns:a="http://schemas.openxmlformats.org/drawingml/2006/main" xmlns:r="http://schemas.openxmlformats.org/officeDocument/2006/relationships" xmlns:p="http://schemas.openxmlformats.org/presentationml/2006/main">
   <p:cSld>
     <p:spTree>
@@ -7627,7 +7732,7 @@
 </p:sld>
 </file>
 
-<file path=ppt/slides/slide15.xml><?xml version="1.0" encoding="utf-8"?>
+<file path=ppt/slides/slide16.xml><?xml version="1.0" encoding="utf-8"?>
 <p:sld xmlns:a="http://schemas.openxmlformats.org/drawingml/2006/main" xmlns:r="http://schemas.openxmlformats.org/officeDocument/2006/relationships" xmlns:p="http://schemas.openxmlformats.org/presentationml/2006/main">
   <p:cSld>
     <p:spTree>
@@ -8034,7 +8139,7 @@
 </p:sld>
 </file>
 
-<file path=ppt/slides/slide16.xml><?xml version="1.0" encoding="utf-8"?>
+<file path=ppt/slides/slide17.xml><?xml version="1.0" encoding="utf-8"?>
 <p:sld xmlns:a="http://schemas.openxmlformats.org/drawingml/2006/main" xmlns:r="http://schemas.openxmlformats.org/officeDocument/2006/relationships" xmlns:p="http://schemas.openxmlformats.org/presentationml/2006/main">
   <p:cSld>
     <p:spTree>
@@ -9592,7 +9697,7 @@
 </p:sld>
 </file>
 
-<file path=ppt/slides/slide17.xml><?xml version="1.0" encoding="utf-8"?>
+<file path=ppt/slides/slide18.xml><?xml version="1.0" encoding="utf-8"?>
 <p:sld xmlns:a="http://schemas.openxmlformats.org/drawingml/2006/main" xmlns:r="http://schemas.openxmlformats.org/officeDocument/2006/relationships" xmlns:p="http://schemas.openxmlformats.org/presentationml/2006/main">
   <p:cSld>
     <p:spTree>
@@ -10103,7 +10208,7 @@
 </p:sld>
 </file>
 
-<file path=ppt/slides/slide18.xml><?xml version="1.0" encoding="utf-8"?>
+<file path=ppt/slides/slide19.xml><?xml version="1.0" encoding="utf-8"?>
 <p:sld xmlns:a="http://schemas.openxmlformats.org/drawingml/2006/main" xmlns:r="http://schemas.openxmlformats.org/officeDocument/2006/relationships" xmlns:p="http://schemas.openxmlformats.org/presentationml/2006/main">
   <p:cSld>
     <p:spTree>
@@ -12251,106 +12356,6 @@
     <p:extLst>
       <p:ext uri="{BB962C8B-B14F-4D97-AF65-F5344CB8AC3E}">
         <p14:creationId xmlns:p14="http://schemas.microsoft.com/office/powerpoint/2010/main" val="1302943131"/>
-      </p:ext>
-    </p:extLst>
-  </p:cSld>
-  <p:clrMapOvr>
-    <a:masterClrMapping/>
-  </p:clrMapOvr>
-</p:sld>
-</file>
-
-<file path=ppt/slides/slide19.xml><?xml version="1.0" encoding="utf-8"?>
-<p:sld xmlns:a="http://schemas.openxmlformats.org/drawingml/2006/main" xmlns:r="http://schemas.openxmlformats.org/officeDocument/2006/relationships" xmlns:p="http://schemas.openxmlformats.org/presentationml/2006/main">
-  <p:cSld>
-    <p:spTree>
-      <p:nvGrpSpPr>
-        <p:cNvPr id="1" name=""/>
-        <p:cNvGrpSpPr/>
-        <p:nvPr/>
-      </p:nvGrpSpPr>
-      <p:grpSpPr>
-        <a:xfrm>
-          <a:off x="0" y="0"/>
-          <a:ext cx="0" cy="0"/>
-          <a:chOff x="0" y="0"/>
-          <a:chExt cx="0" cy="0"/>
-        </a:xfrm>
-      </p:grpSpPr>
-      <p:sp>
-        <p:nvSpPr>
-          <p:cNvPr id="2" name="Title 1"/>
-          <p:cNvSpPr>
-            <a:spLocks noGrp="1"/>
-          </p:cNvSpPr>
-          <p:nvPr>
-            <p:ph type="title"/>
-          </p:nvPr>
-        </p:nvSpPr>
-        <p:spPr/>
-        <p:txBody>
-          <a:bodyPr/>
-          <a:lstStyle/>
-          <a:p>
-            <a:r>
-              <a:rPr lang="en-US" dirty="0"/>
-              <a:t>Demo / Walkthrough</a:t>
-            </a:r>
-          </a:p>
-        </p:txBody>
-      </p:sp>
-      <p:sp>
-        <p:nvSpPr>
-          <p:cNvPr id="3" name="Rectangle 2"/>
-          <p:cNvSpPr/>
-          <p:nvPr/>
-        </p:nvSpPr>
-        <p:spPr>
-          <a:xfrm>
-            <a:off x="1936027" y="3404755"/>
-            <a:ext cx="8180445" cy="369332"/>
-          </a:xfrm>
-          <a:prstGeom prst="rect">
-            <a:avLst/>
-          </a:prstGeom>
-        </p:spPr>
-        <p:txBody>
-          <a:bodyPr wrap="none">
-            <a:spAutoFit/>
-          </a:bodyPr>
-          <a:lstStyle/>
-          <a:p>
-            <a:r>
-              <a:rPr lang="en-US" b="1" dirty="0">
-                <a:latin typeface="Courier New" charset="0"/>
-                <a:ea typeface="Courier New" charset="0"/>
-                <a:cs typeface="Courier New" charset="0"/>
-              </a:rPr>
-              <a:t>https://</a:t>
-            </a:r>
-            <a:r>
-              <a:rPr lang="en-US" b="1" dirty="0" err="1">
-                <a:latin typeface="Courier New" charset="0"/>
-                <a:ea typeface="Courier New" charset="0"/>
-                <a:cs typeface="Courier New" charset="0"/>
-              </a:rPr>
-              <a:t>github.com</a:t>
-            </a:r>
-            <a:r>
-              <a:rPr lang="en-US" b="1" dirty="0">
-                <a:latin typeface="Courier New" charset="0"/>
-                <a:ea typeface="Courier New" charset="0"/>
-                <a:cs typeface="Courier New" charset="0"/>
-              </a:rPr>
-              <a:t>/csev/dj4e-samples/tree/master/templates</a:t>
-            </a:r>
-          </a:p>
-        </p:txBody>
-      </p:sp>
-    </p:spTree>
-    <p:extLst>
-      <p:ext uri="{BB962C8B-B14F-4D97-AF65-F5344CB8AC3E}">
-        <p14:creationId xmlns:p14="http://schemas.microsoft.com/office/powerpoint/2010/main" val="357678457"/>
       </p:ext>
     </p:extLst>
   </p:cSld>
@@ -14325,6 +14330,106 @@
       </p:grpSpPr>
       <p:sp>
         <p:nvSpPr>
+          <p:cNvPr id="2" name="Title 1"/>
+          <p:cNvSpPr>
+            <a:spLocks noGrp="1"/>
+          </p:cNvSpPr>
+          <p:nvPr>
+            <p:ph type="title"/>
+          </p:nvPr>
+        </p:nvSpPr>
+        <p:spPr/>
+        <p:txBody>
+          <a:bodyPr/>
+          <a:lstStyle/>
+          <a:p>
+            <a:r>
+              <a:rPr lang="en-US" dirty="0"/>
+              <a:t>Demo / Walkthrough</a:t>
+            </a:r>
+          </a:p>
+        </p:txBody>
+      </p:sp>
+      <p:sp>
+        <p:nvSpPr>
+          <p:cNvPr id="3" name="Rectangle 2"/>
+          <p:cNvSpPr/>
+          <p:nvPr/>
+        </p:nvSpPr>
+        <p:spPr>
+          <a:xfrm>
+            <a:off x="1936027" y="3404755"/>
+            <a:ext cx="8180445" cy="369332"/>
+          </a:xfrm>
+          <a:prstGeom prst="rect">
+            <a:avLst/>
+          </a:prstGeom>
+        </p:spPr>
+        <p:txBody>
+          <a:bodyPr wrap="none">
+            <a:spAutoFit/>
+          </a:bodyPr>
+          <a:lstStyle/>
+          <a:p>
+            <a:r>
+              <a:rPr lang="en-US" b="1" dirty="0">
+                <a:latin typeface="Courier New" charset="0"/>
+                <a:ea typeface="Courier New" charset="0"/>
+                <a:cs typeface="Courier New" charset="0"/>
+              </a:rPr>
+              <a:t>https://</a:t>
+            </a:r>
+            <a:r>
+              <a:rPr lang="en-US" b="1" dirty="0" err="1">
+                <a:latin typeface="Courier New" charset="0"/>
+                <a:ea typeface="Courier New" charset="0"/>
+                <a:cs typeface="Courier New" charset="0"/>
+              </a:rPr>
+              <a:t>github.com</a:t>
+            </a:r>
+            <a:r>
+              <a:rPr lang="en-US" b="1" dirty="0">
+                <a:latin typeface="Courier New" charset="0"/>
+                <a:ea typeface="Courier New" charset="0"/>
+                <a:cs typeface="Courier New" charset="0"/>
+              </a:rPr>
+              <a:t>/csev/dj4e-samples/tree/master/templates</a:t>
+            </a:r>
+          </a:p>
+        </p:txBody>
+      </p:sp>
+    </p:spTree>
+    <p:extLst>
+      <p:ext uri="{BB962C8B-B14F-4D97-AF65-F5344CB8AC3E}">
+        <p14:creationId xmlns:p14="http://schemas.microsoft.com/office/powerpoint/2010/main" val="357678457"/>
+      </p:ext>
+    </p:extLst>
+  </p:cSld>
+  <p:clrMapOvr>
+    <a:masterClrMapping/>
+  </p:clrMapOvr>
+</p:sld>
+</file>
+
+<file path=ppt/slides/slide21.xml><?xml version="1.0" encoding="utf-8"?>
+<p:sld xmlns:a="http://schemas.openxmlformats.org/drawingml/2006/main" xmlns:r="http://schemas.openxmlformats.org/officeDocument/2006/relationships" xmlns:p="http://schemas.openxmlformats.org/presentationml/2006/main">
+  <p:cSld>
+    <p:spTree>
+      <p:nvGrpSpPr>
+        <p:cNvPr id="1" name=""/>
+        <p:cNvGrpSpPr/>
+        <p:nvPr/>
+      </p:nvGrpSpPr>
+      <p:grpSpPr>
+        <a:xfrm>
+          <a:off x="0" y="0"/>
+          <a:ext cx="0" cy="0"/>
+          <a:chOff x="0" y="0"/>
+          <a:chExt cx="0" cy="0"/>
+        </a:xfrm>
+      </p:grpSpPr>
+      <p:sp>
+        <p:nvSpPr>
           <p:cNvPr id="27649" name="Rectangle 1"/>
           <p:cNvSpPr>
             <a:spLocks noGrp="1" noChangeArrowheads="1"/>
@@ -14435,7 +14540,7 @@
 </p:sld>
 </file>
 
-<file path=ppt/slides/slide21.xml><?xml version="1.0" encoding="utf-8"?>
+<file path=ppt/slides/slide22.xml><?xml version="1.0" encoding="utf-8"?>
 <p:sld xmlns:a="http://schemas.openxmlformats.org/drawingml/2006/main" xmlns:r="http://schemas.openxmlformats.org/officeDocument/2006/relationships" xmlns:p="http://schemas.openxmlformats.org/presentationml/2006/main">
   <p:cSld>
     <p:spTree>
@@ -15217,8 +15322,13 @@
           <a:p>
             <a:r>
               <a:rPr lang="en-US" dirty="0"/>
-              <a:t>Views are our control center</a:t>
-            </a:r>
+              <a:t>Views are </a:t>
+            </a:r>
+            <a:r>
+              <a:rPr lang="en-US" dirty="0" smtClean="0"/>
+              <a:t>the core of our application</a:t>
+            </a:r>
+            <a:endParaRPr lang="en-US" dirty="0"/>
           </a:p>
         </p:txBody>
       </p:sp>
@@ -15314,8 +15424,8 @@
         </p:nvSpPr>
         <p:spPr bwMode="auto">
           <a:xfrm>
-            <a:off x="889397" y="5232587"/>
-            <a:ext cx="10618291" cy="615553"/>
+            <a:off x="889397" y="5386475"/>
+            <a:ext cx="8309967" cy="307777"/>
           </a:xfrm>
           <a:prstGeom prst="rect">
             <a:avLst/>
@@ -15536,61 +15646,7 @@
                 <a:ea typeface="Courier New" charset="0"/>
                 <a:cs typeface="Courier New" charset="0"/>
               </a:rPr>
-              <a:t>/csev/dj4e-samples/blob/master/views/views/</a:t>
-            </a:r>
-            <a:r>
-              <a:rPr lang="en-US" altLang="en-US" sz="2000" dirty="0" err="1" smtClean="0">
-                <a:latin typeface="Courier New" charset="0"/>
-                <a:ea typeface="Courier New" charset="0"/>
-                <a:cs typeface="Courier New" charset="0"/>
-              </a:rPr>
-              <a:t>urls.py</a:t>
-            </a:r>
-            <a:endParaRPr lang="en-US" altLang="en-US" sz="2000" dirty="0">
-              <a:latin typeface="Courier New" charset="0"/>
-              <a:ea typeface="Courier New" charset="0"/>
-              <a:cs typeface="Courier New" charset="0"/>
-            </a:endParaRPr>
-          </a:p>
-          <a:p>
-            <a:pPr>
-              <a:spcBef>
-                <a:spcPct val="0"/>
-              </a:spcBef>
-              <a:buSzTx/>
-              <a:buNone/>
-            </a:pPr>
-            <a:r>
-              <a:rPr lang="en-US" altLang="en-US" sz="2000" dirty="0">
-                <a:latin typeface="Courier New" charset="0"/>
-                <a:ea typeface="Courier New" charset="0"/>
-                <a:cs typeface="Courier New" charset="0"/>
-              </a:rPr>
-              <a:t>https://</a:t>
-            </a:r>
-            <a:r>
-              <a:rPr lang="en-US" altLang="en-US" sz="2000" dirty="0" err="1" smtClean="0">
-                <a:latin typeface="Courier New" charset="0"/>
-                <a:ea typeface="Courier New" charset="0"/>
-                <a:cs typeface="Courier New" charset="0"/>
-              </a:rPr>
-              <a:t>github.com</a:t>
-            </a:r>
-            <a:r>
-              <a:rPr lang="en-US" altLang="en-US" sz="2000" dirty="0" smtClean="0">
-                <a:latin typeface="Courier New" charset="0"/>
-                <a:ea typeface="Courier New" charset="0"/>
-                <a:cs typeface="Courier New" charset="0"/>
-              </a:rPr>
-              <a:t>/csev/dj4e-samples/blob/master/views/views/</a:t>
-            </a:r>
-            <a:r>
-              <a:rPr lang="en-US" altLang="en-US" sz="2000" dirty="0" err="1" smtClean="0">
-                <a:latin typeface="Courier New" charset="0"/>
-                <a:ea typeface="Courier New" charset="0"/>
-                <a:cs typeface="Courier New" charset="0"/>
-              </a:rPr>
-              <a:t>views.py</a:t>
+              <a:t>/csev/dj4e-samples/blob/master/views</a:t>
             </a:r>
             <a:endParaRPr lang="en-US" altLang="en-US" sz="2000" dirty="0">
               <a:latin typeface="Courier New" charset="0"/>
@@ -16563,14 +16619,14 @@
       </p:sp>
       <p:sp>
         <p:nvSpPr>
-          <p:cNvPr id="5" name="TextBox 4"/>
+          <p:cNvPr id="6" name="TextBox 5"/>
           <p:cNvSpPr txBox="1"/>
           <p:nvPr/>
         </p:nvSpPr>
         <p:spPr>
           <a:xfrm>
-            <a:off x="8542508" y="191881"/>
-            <a:ext cx="3631122" cy="923330"/>
+            <a:off x="7585245" y="206168"/>
+            <a:ext cx="4458272" cy="923330"/>
           </a:xfrm>
           <a:prstGeom prst="rect">
             <a:avLst/>
@@ -16644,7 +16700,7 @@
                 <a:ea typeface="Courier New" charset="0"/>
                 <a:cs typeface="Courier New" charset="0"/>
               </a:rPr>
-              <a:t>views/templates/</a:t>
+              <a:t>views/views/templates/</a:t>
             </a:r>
             <a:r>
               <a:rPr lang="en-US" b="1" dirty="0" err="1" smtClean="0">
@@ -16701,7 +16757,7 @@
         <p:spPr>
           <a:xfrm>
             <a:off x="465222" y="1824620"/>
-            <a:ext cx="10225876" cy="3693319"/>
+            <a:ext cx="9946954" cy="4524315"/>
           </a:xfrm>
           <a:prstGeom prst="rect">
             <a:avLst/>
@@ -16719,101 +16775,24 @@
             <a:r>
               <a:rPr lang="en-US" b="1" dirty="0">
                 <a:solidFill>
-                  <a:srgbClr val="1396A3"/>
-                </a:solidFill>
-                <a:latin typeface="Courier New" charset="0"/>
-                <a:ea typeface="Courier New" charset="0"/>
-                <a:cs typeface="Courier New" charset="0"/>
-              </a:rPr>
-              <a:t>&lt;</a:t>
-            </a:r>
-            <a:r>
-              <a:rPr lang="en-US" b="1" dirty="0">
-                <a:solidFill>
-                  <a:srgbClr val="C1651C"/>
-                </a:solidFill>
-                <a:latin typeface="Courier New" charset="0"/>
-                <a:ea typeface="Courier New" charset="0"/>
-                <a:cs typeface="Courier New" charset="0"/>
-              </a:rPr>
-              <a:t>html</a:t>
-            </a:r>
-            <a:r>
-              <a:rPr lang="en-US" b="1" dirty="0">
-                <a:solidFill>
-                  <a:srgbClr val="1396A3"/>
-                </a:solidFill>
-                <a:latin typeface="Courier New" charset="0"/>
-                <a:ea typeface="Courier New" charset="0"/>
-                <a:cs typeface="Courier New" charset="0"/>
-              </a:rPr>
-              <a:t>&gt;</a:t>
-            </a:r>
-            <a:r>
-              <a:rPr lang="en-US" b="1" dirty="0">
-                <a:solidFill>
-                  <a:srgbClr val="2EAEBB"/>
-                </a:solidFill>
-                <a:latin typeface="Courier New" charset="0"/>
-                <a:ea typeface="Courier New" charset="0"/>
-                <a:cs typeface="Courier New" charset="0"/>
-              </a:rPr>
-              <a:t>&lt;</a:t>
-            </a:r>
-            <a:r>
-              <a:rPr lang="en-US" b="1" dirty="0">
-                <a:solidFill>
-                  <a:srgbClr val="C1651C"/>
-                </a:solidFill>
-                <a:latin typeface="Courier New" charset="0"/>
-                <a:ea typeface="Courier New" charset="0"/>
-                <a:cs typeface="Courier New" charset="0"/>
-              </a:rPr>
-              <a:t>body</a:t>
-            </a:r>
-            <a:r>
-              <a:rPr lang="en-US" b="1" dirty="0">
-                <a:solidFill>
-                  <a:srgbClr val="2EAEBB"/>
-                </a:solidFill>
-                <a:latin typeface="Courier New" charset="0"/>
-                <a:ea typeface="Courier New" charset="0"/>
-                <a:cs typeface="Courier New" charset="0"/>
-              </a:rPr>
-              <a:t>&gt;&lt;</a:t>
-            </a:r>
-            <a:r>
-              <a:rPr lang="en-US" b="1" dirty="0">
-                <a:solidFill>
-                  <a:srgbClr val="C1651C"/>
-                </a:solidFill>
-                <a:latin typeface="Courier New" charset="0"/>
-                <a:ea typeface="Courier New" charset="0"/>
-                <a:cs typeface="Courier New" charset="0"/>
-              </a:rPr>
-              <a:t>p</a:t>
-            </a:r>
-            <a:r>
-              <a:rPr lang="en-US" b="1" dirty="0">
-                <a:solidFill>
-                  <a:srgbClr val="2EAEBB"/>
-                </a:solidFill>
-                <a:latin typeface="Courier New" charset="0"/>
-                <a:ea typeface="Courier New" charset="0"/>
-                <a:cs typeface="Courier New" charset="0"/>
-              </a:rPr>
-              <a:t>&gt;</a:t>
-            </a:r>
-            <a:r>
-              <a:rPr lang="en-US" b="1" dirty="0">
-                <a:solidFill>
-                  <a:srgbClr val="000000"/>
-                </a:solidFill>
-                <a:latin typeface="Courier New" charset="0"/>
-                <a:ea typeface="Courier New" charset="0"/>
-                <a:cs typeface="Courier New" charset="0"/>
-              </a:rPr>
-              <a:t>This is the views </a:t>
+                  <a:srgbClr val="C814C9"/>
+                </a:solidFill>
+                <a:latin typeface="Courier New" charset="0"/>
+                <a:ea typeface="Courier New" charset="0"/>
+                <a:cs typeface="Courier New" charset="0"/>
+              </a:rPr>
+              <a:t>from</a:t>
+            </a:r>
+            <a:r>
+              <a:rPr lang="en-US" b="1" dirty="0">
+                <a:solidFill>
+                  <a:srgbClr val="000000"/>
+                </a:solidFill>
+                <a:latin typeface="Courier New" charset="0"/>
+                <a:ea typeface="Courier New" charset="0"/>
+                <a:cs typeface="Courier New" charset="0"/>
+              </a:rPr>
+              <a:t> </a:t>
             </a:r>
             <a:r>
               <a:rPr lang="en-US" b="1" dirty="0" err="1">
@@ -16824,51 +16803,51 @@
                 <a:ea typeface="Courier New" charset="0"/>
                 <a:cs typeface="Courier New" charset="0"/>
               </a:rPr>
-              <a:t>main.html</a:t>
-            </a:r>
-            <a:r>
-              <a:rPr lang="en-US" b="1" dirty="0">
-                <a:solidFill>
-                  <a:srgbClr val="000000"/>
-                </a:solidFill>
-                <a:latin typeface="Courier New" charset="0"/>
-                <a:ea typeface="Courier New" charset="0"/>
-                <a:cs typeface="Courier New" charset="0"/>
-              </a:rPr>
-              <a:t> sample</a:t>
-            </a:r>
-            <a:r>
-              <a:rPr lang="en-US" b="1" dirty="0">
-                <a:solidFill>
-                  <a:srgbClr val="2EAEBB"/>
-                </a:solidFill>
-                <a:latin typeface="Courier New" charset="0"/>
-                <a:ea typeface="Courier New" charset="0"/>
-                <a:cs typeface="Courier New" charset="0"/>
-              </a:rPr>
-              <a:t>&lt;/</a:t>
-            </a:r>
-            <a:r>
-              <a:rPr lang="en-US" b="1" dirty="0">
-                <a:solidFill>
-                  <a:srgbClr val="C1651C"/>
-                </a:solidFill>
-                <a:latin typeface="Courier New" charset="0"/>
-                <a:ea typeface="Courier New" charset="0"/>
-                <a:cs typeface="Courier New" charset="0"/>
-              </a:rPr>
-              <a:t>p</a:t>
-            </a:r>
-            <a:r>
-              <a:rPr lang="en-US" b="1" dirty="0">
-                <a:solidFill>
-                  <a:srgbClr val="2EAEBB"/>
-                </a:solidFill>
-                <a:latin typeface="Courier New" charset="0"/>
-                <a:ea typeface="Courier New" charset="0"/>
-                <a:cs typeface="Courier New" charset="0"/>
-              </a:rPr>
-              <a:t>&gt;</a:t>
+              <a:t>django.http</a:t>
+            </a:r>
+            <a:r>
+              <a:rPr lang="en-US" b="1" dirty="0">
+                <a:solidFill>
+                  <a:srgbClr val="000000"/>
+                </a:solidFill>
+                <a:latin typeface="Courier New" charset="0"/>
+                <a:ea typeface="Courier New" charset="0"/>
+                <a:cs typeface="Courier New" charset="0"/>
+              </a:rPr>
+              <a:t> </a:t>
+            </a:r>
+            <a:r>
+              <a:rPr lang="en-US" b="1" dirty="0">
+                <a:solidFill>
+                  <a:srgbClr val="C814C9"/>
+                </a:solidFill>
+                <a:latin typeface="Courier New" charset="0"/>
+                <a:ea typeface="Courier New" charset="0"/>
+                <a:cs typeface="Courier New" charset="0"/>
+              </a:rPr>
+              <a:t>import</a:t>
+            </a:r>
+            <a:r>
+              <a:rPr lang="en-US" b="1" dirty="0">
+                <a:solidFill>
+                  <a:srgbClr val="000000"/>
+                </a:solidFill>
+                <a:latin typeface="Courier New" charset="0"/>
+                <a:ea typeface="Courier New" charset="0"/>
+                <a:cs typeface="Courier New" charset="0"/>
+              </a:rPr>
+              <a:t> </a:t>
+            </a:r>
+            <a:r>
+              <a:rPr lang="en-US" b="1" dirty="0" err="1">
+                <a:solidFill>
+                  <a:srgbClr val="000000"/>
+                </a:solidFill>
+                <a:latin typeface="Courier New" charset="0"/>
+                <a:ea typeface="Courier New" charset="0"/>
+                <a:cs typeface="Courier New" charset="0"/>
+              </a:rPr>
+              <a:t>HttpResponse</a:t>
             </a:r>
             <a:endParaRPr lang="en-US" b="1" dirty="0">
               <a:solidFill>
@@ -16881,37 +16860,394 @@
           </a:p>
           <a:p>
             <a:r>
+              <a:rPr lang="en-US" b="1" dirty="0">
+                <a:solidFill>
+                  <a:srgbClr val="C814C9"/>
+                </a:solidFill>
+                <a:latin typeface="Courier New" charset="0"/>
+                <a:ea typeface="Courier New" charset="0"/>
+                <a:cs typeface="Courier New" charset="0"/>
+              </a:rPr>
+              <a:t>from</a:t>
+            </a:r>
+            <a:r>
+              <a:rPr lang="en-US" b="1" dirty="0">
+                <a:solidFill>
+                  <a:srgbClr val="000000"/>
+                </a:solidFill>
+                <a:latin typeface="Courier New" charset="0"/>
+                <a:ea typeface="Courier New" charset="0"/>
+                <a:cs typeface="Courier New" charset="0"/>
+              </a:rPr>
+              <a:t> </a:t>
+            </a:r>
+            <a:r>
+              <a:rPr lang="en-US" b="1" dirty="0" err="1">
+                <a:solidFill>
+                  <a:srgbClr val="000000"/>
+                </a:solidFill>
+                <a:latin typeface="Courier New" charset="0"/>
+                <a:ea typeface="Courier New" charset="0"/>
+                <a:cs typeface="Courier New" charset="0"/>
+              </a:rPr>
+              <a:t>django.http</a:t>
+            </a:r>
+            <a:r>
+              <a:rPr lang="en-US" b="1" dirty="0">
+                <a:solidFill>
+                  <a:srgbClr val="000000"/>
+                </a:solidFill>
+                <a:latin typeface="Courier New" charset="0"/>
+                <a:ea typeface="Courier New" charset="0"/>
+                <a:cs typeface="Courier New" charset="0"/>
+              </a:rPr>
+              <a:t> </a:t>
+            </a:r>
+            <a:r>
+              <a:rPr lang="en-US" b="1" dirty="0">
+                <a:solidFill>
+                  <a:srgbClr val="C814C9"/>
+                </a:solidFill>
+                <a:latin typeface="Courier New" charset="0"/>
+                <a:ea typeface="Courier New" charset="0"/>
+                <a:cs typeface="Courier New" charset="0"/>
+              </a:rPr>
+              <a:t>import</a:t>
+            </a:r>
+            <a:r>
+              <a:rPr lang="en-US" b="1" dirty="0">
+                <a:solidFill>
+                  <a:srgbClr val="000000"/>
+                </a:solidFill>
+                <a:latin typeface="Courier New" charset="0"/>
+                <a:ea typeface="Courier New" charset="0"/>
+                <a:cs typeface="Courier New" charset="0"/>
+              </a:rPr>
+              <a:t> </a:t>
+            </a:r>
+            <a:r>
+              <a:rPr lang="en-US" b="1" dirty="0" err="1">
+                <a:solidFill>
+                  <a:srgbClr val="000000"/>
+                </a:solidFill>
+                <a:latin typeface="Courier New" charset="0"/>
+                <a:ea typeface="Courier New" charset="0"/>
+                <a:cs typeface="Courier New" charset="0"/>
+              </a:rPr>
+              <a:t>HttpResponseRedirect</a:t>
+            </a:r>
+            <a:endParaRPr lang="en-US" b="1" dirty="0">
+              <a:solidFill>
+                <a:srgbClr val="000000"/>
+              </a:solidFill>
+              <a:latin typeface="Courier New" charset="0"/>
+              <a:ea typeface="Courier New" charset="0"/>
+              <a:cs typeface="Courier New" charset="0"/>
+            </a:endParaRPr>
+          </a:p>
+          <a:p>
+            <a:endParaRPr lang="en-US" b="1" dirty="0">
+              <a:solidFill>
+                <a:srgbClr val="000000"/>
+              </a:solidFill>
+              <a:latin typeface="Courier New" charset="0"/>
+              <a:ea typeface="Courier New" charset="0"/>
+              <a:cs typeface="Courier New" charset="0"/>
+            </a:endParaRPr>
+          </a:p>
+          <a:p>
+            <a:r>
+              <a:rPr lang="en-US" b="1" dirty="0">
+                <a:solidFill>
+                  <a:srgbClr val="400BD9"/>
+                </a:solidFill>
+                <a:latin typeface="Courier New" charset="0"/>
+                <a:ea typeface="Courier New" charset="0"/>
+                <a:cs typeface="Courier New" charset="0"/>
+              </a:rPr>
+              <a:t># Create your views here.</a:t>
+            </a:r>
+            <a:endParaRPr lang="en-US" b="1" dirty="0">
+              <a:solidFill>
+                <a:srgbClr val="000000"/>
+              </a:solidFill>
+              <a:latin typeface="Courier New" charset="0"/>
+              <a:ea typeface="Courier New" charset="0"/>
+              <a:cs typeface="Courier New" charset="0"/>
+            </a:endParaRPr>
+          </a:p>
+          <a:p>
+            <a:endParaRPr lang="en-US" b="1" dirty="0">
+              <a:solidFill>
+                <a:srgbClr val="000000"/>
+              </a:solidFill>
+              <a:latin typeface="Courier New" charset="0"/>
+              <a:ea typeface="Courier New" charset="0"/>
+              <a:cs typeface="Courier New" charset="0"/>
+            </a:endParaRPr>
+          </a:p>
+          <a:p>
+            <a:r>
+              <a:rPr lang="en-US" b="1" dirty="0" err="1">
+                <a:solidFill>
+                  <a:srgbClr val="C1651C"/>
+                </a:solidFill>
+                <a:latin typeface="Courier New" charset="0"/>
+                <a:ea typeface="Courier New" charset="0"/>
+                <a:cs typeface="Courier New" charset="0"/>
+              </a:rPr>
+              <a:t>def</a:t>
+            </a:r>
+            <a:r>
+              <a:rPr lang="en-US" b="1" dirty="0">
+                <a:solidFill>
+                  <a:srgbClr val="000000"/>
+                </a:solidFill>
+                <a:latin typeface="Courier New" charset="0"/>
+                <a:ea typeface="Courier New" charset="0"/>
+                <a:cs typeface="Courier New" charset="0"/>
+              </a:rPr>
+              <a:t> </a:t>
+            </a:r>
+            <a:r>
+              <a:rPr lang="en-US" b="1" dirty="0">
+                <a:solidFill>
+                  <a:srgbClr val="2EAEBB"/>
+                </a:solidFill>
+                <a:latin typeface="Courier New" charset="0"/>
+                <a:ea typeface="Courier New" charset="0"/>
+                <a:cs typeface="Courier New" charset="0"/>
+              </a:rPr>
+              <a:t>funky</a:t>
+            </a:r>
+            <a:r>
+              <a:rPr lang="en-US" b="1" dirty="0">
+                <a:solidFill>
+                  <a:srgbClr val="000000"/>
+                </a:solidFill>
+                <a:latin typeface="Courier New" charset="0"/>
+                <a:ea typeface="Courier New" charset="0"/>
+                <a:cs typeface="Courier New" charset="0"/>
+              </a:rPr>
+              <a:t>(request):</a:t>
+            </a:r>
+          </a:p>
+          <a:p>
+            <a:r>
+              <a:rPr lang="en-US" b="1" dirty="0">
+                <a:solidFill>
+                  <a:srgbClr val="000000"/>
+                </a:solidFill>
+                <a:latin typeface="Courier New" charset="0"/>
+                <a:ea typeface="Courier New" charset="0"/>
+                <a:cs typeface="Courier New" charset="0"/>
+              </a:rPr>
+              <a:t>    response = </a:t>
+            </a:r>
+            <a:r>
+              <a:rPr lang="en-US" b="1" dirty="0">
+                <a:solidFill>
+                  <a:srgbClr val="B42419"/>
+                </a:solidFill>
+                <a:latin typeface="Courier New" charset="0"/>
+                <a:ea typeface="Courier New" charset="0"/>
+                <a:cs typeface="Courier New" charset="0"/>
+              </a:rPr>
+              <a:t>"""&lt;html&gt;&lt;body&gt;&lt;p&gt;This is the funky function sample&lt;/p&gt;</a:t>
+            </a:r>
+            <a:endParaRPr lang="en-US" b="1" dirty="0">
+              <a:solidFill>
+                <a:srgbClr val="000000"/>
+              </a:solidFill>
+              <a:latin typeface="Courier New" charset="0"/>
+              <a:ea typeface="Courier New" charset="0"/>
+              <a:cs typeface="Courier New" charset="0"/>
+            </a:endParaRPr>
+          </a:p>
+          <a:p>
+            <a:r>
+              <a:rPr lang="en-US" b="1" dirty="0">
+                <a:solidFill>
+                  <a:srgbClr val="B42419"/>
+                </a:solidFill>
+                <a:latin typeface="Courier New" charset="0"/>
+                <a:ea typeface="Courier New" charset="0"/>
+                <a:cs typeface="Courier New" charset="0"/>
+              </a:rPr>
+              <a:t>    &lt;p&gt;This sample code is available at</a:t>
+            </a:r>
+            <a:endParaRPr lang="en-US" b="1" dirty="0">
+              <a:solidFill>
+                <a:srgbClr val="000000"/>
+              </a:solidFill>
+              <a:latin typeface="Courier New" charset="0"/>
+              <a:ea typeface="Courier New" charset="0"/>
+              <a:cs typeface="Courier New" charset="0"/>
+            </a:endParaRPr>
+          </a:p>
+          <a:p>
+            <a:r>
+              <a:rPr lang="en-US" b="1" dirty="0">
+                <a:solidFill>
+                  <a:srgbClr val="B42419"/>
+                </a:solidFill>
+                <a:latin typeface="Courier New" charset="0"/>
+                <a:ea typeface="Courier New" charset="0"/>
+                <a:cs typeface="Courier New" charset="0"/>
+              </a:rPr>
+              <a:t>    &lt;a </a:t>
+            </a:r>
+            <a:r>
+              <a:rPr lang="en-US" b="1" dirty="0" err="1">
+                <a:solidFill>
+                  <a:srgbClr val="B42419"/>
+                </a:solidFill>
+                <a:latin typeface="Courier New" charset="0"/>
+                <a:ea typeface="Courier New" charset="0"/>
+                <a:cs typeface="Courier New" charset="0"/>
+              </a:rPr>
+              <a:t>href</a:t>
+            </a:r>
+            <a:r>
+              <a:rPr lang="en-US" b="1" dirty="0">
+                <a:solidFill>
+                  <a:srgbClr val="B42419"/>
+                </a:solidFill>
+                <a:latin typeface="Courier New" charset="0"/>
+                <a:ea typeface="Courier New" charset="0"/>
+                <a:cs typeface="Courier New" charset="0"/>
+              </a:rPr>
+              <a:t>="https://</a:t>
+            </a:r>
+            <a:r>
+              <a:rPr lang="en-US" b="1" dirty="0" err="1">
+                <a:solidFill>
+                  <a:srgbClr val="B42419"/>
+                </a:solidFill>
+                <a:latin typeface="Courier New" charset="0"/>
+                <a:ea typeface="Courier New" charset="0"/>
+                <a:cs typeface="Courier New" charset="0"/>
+              </a:rPr>
+              <a:t>github.com</a:t>
+            </a:r>
+            <a:r>
+              <a:rPr lang="en-US" b="1" dirty="0">
+                <a:solidFill>
+                  <a:srgbClr val="B42419"/>
+                </a:solidFill>
+                <a:latin typeface="Courier New" charset="0"/>
+                <a:ea typeface="Courier New" charset="0"/>
+                <a:cs typeface="Courier New" charset="0"/>
+              </a:rPr>
+              <a:t>/csev/dj4e-samples"&gt;</a:t>
+            </a:r>
+            <a:endParaRPr lang="en-US" b="1" dirty="0">
+              <a:solidFill>
+                <a:srgbClr val="000000"/>
+              </a:solidFill>
+              <a:latin typeface="Courier New" charset="0"/>
+              <a:ea typeface="Courier New" charset="0"/>
+              <a:cs typeface="Courier New" charset="0"/>
+            </a:endParaRPr>
+          </a:p>
+          <a:p>
+            <a:r>
+              <a:rPr lang="en-US" b="1" dirty="0">
+                <a:solidFill>
+                  <a:srgbClr val="B42419"/>
+                </a:solidFill>
+                <a:latin typeface="Courier New" charset="0"/>
+                <a:ea typeface="Courier New" charset="0"/>
+                <a:cs typeface="Courier New" charset="0"/>
+              </a:rPr>
+              <a:t>    https://</a:t>
+            </a:r>
+            <a:r>
+              <a:rPr lang="en-US" b="1" dirty="0" err="1">
+                <a:solidFill>
+                  <a:srgbClr val="B42419"/>
+                </a:solidFill>
+                <a:latin typeface="Courier New" charset="0"/>
+                <a:ea typeface="Courier New" charset="0"/>
+                <a:cs typeface="Courier New" charset="0"/>
+              </a:rPr>
+              <a:t>github.com</a:t>
+            </a:r>
+            <a:r>
+              <a:rPr lang="en-US" b="1" dirty="0">
+                <a:solidFill>
+                  <a:srgbClr val="B42419"/>
+                </a:solidFill>
+                <a:latin typeface="Courier New" charset="0"/>
+                <a:ea typeface="Courier New" charset="0"/>
+                <a:cs typeface="Courier New" charset="0"/>
+              </a:rPr>
+              <a:t>/csev/dj4e-samples&lt;/a&gt;&lt;/p&gt;</a:t>
+            </a:r>
+            <a:endParaRPr lang="en-US" b="1" dirty="0">
+              <a:solidFill>
+                <a:srgbClr val="000000"/>
+              </a:solidFill>
+              <a:latin typeface="Courier New" charset="0"/>
+              <a:ea typeface="Courier New" charset="0"/>
+              <a:cs typeface="Courier New" charset="0"/>
+            </a:endParaRPr>
+          </a:p>
+          <a:p>
+            <a:r>
               <a:rPr lang="mr-IN" b="1" dirty="0">
                 <a:solidFill>
-                  <a:srgbClr val="2EAEBB"/>
-                </a:solidFill>
-                <a:latin typeface="Courier New" charset="0"/>
-                <a:ea typeface="Courier New" charset="0"/>
-                <a:cs typeface="Courier New" charset="0"/>
-              </a:rPr>
-              <a:t>&lt;</a:t>
+                  <a:srgbClr val="B42419"/>
+                </a:solidFill>
+                <a:latin typeface="Courier New" charset="0"/>
+                <a:ea typeface="Courier New" charset="0"/>
+                <a:cs typeface="Courier New" charset="0"/>
+              </a:rPr>
+              <a:t>    &lt;/</a:t>
             </a:r>
             <a:r>
               <a:rPr lang="mr-IN" b="1" dirty="0" err="1">
                 <a:solidFill>
-                  <a:srgbClr val="C1651C"/>
-                </a:solidFill>
-                <a:latin typeface="Courier New" charset="0"/>
-                <a:ea typeface="Courier New" charset="0"/>
-                <a:cs typeface="Courier New" charset="0"/>
-              </a:rPr>
-              <a:t>p</a:t>
+                  <a:srgbClr val="B42419"/>
+                </a:solidFill>
+                <a:latin typeface="Courier New" charset="0"/>
+                <a:ea typeface="Courier New" charset="0"/>
+                <a:cs typeface="Courier New" charset="0"/>
+              </a:rPr>
+              <a:t>body</a:t>
             </a:r>
             <a:r>
               <a:rPr lang="mr-IN" b="1" dirty="0">
                 <a:solidFill>
-                  <a:srgbClr val="2EAEBB"/>
-                </a:solidFill>
-                <a:latin typeface="Courier New" charset="0"/>
-                <a:ea typeface="Courier New" charset="0"/>
-                <a:cs typeface="Courier New" charset="0"/>
-              </a:rPr>
-              <a:t>&gt;</a:t>
+                  <a:srgbClr val="B42419"/>
+                </a:solidFill>
+                <a:latin typeface="Courier New" charset="0"/>
+                <a:ea typeface="Courier New" charset="0"/>
+                <a:cs typeface="Courier New" charset="0"/>
+              </a:rPr>
+              <a:t>&gt;&lt;/</a:t>
+            </a:r>
+            <a:r>
+              <a:rPr lang="mr-IN" b="1" dirty="0" err="1">
+                <a:solidFill>
+                  <a:srgbClr val="B42419"/>
+                </a:solidFill>
+                <a:latin typeface="Courier New" charset="0"/>
+                <a:ea typeface="Courier New" charset="0"/>
+                <a:cs typeface="Courier New" charset="0"/>
+              </a:rPr>
+              <a:t>html</a:t>
+            </a:r>
+            <a:r>
+              <a:rPr lang="mr-IN" b="1" dirty="0">
+                <a:solidFill>
+                  <a:srgbClr val="B42419"/>
+                </a:solidFill>
+                <a:latin typeface="Courier New" charset="0"/>
+                <a:ea typeface="Courier New" charset="0"/>
+                <a:cs typeface="Courier New" charset="0"/>
+              </a:rPr>
+              <a:t>&gt;"""</a:t>
             </a:r>
             <a:endParaRPr lang="mr-IN" b="1" dirty="0">
               <a:solidFill>
@@ -16924,18 +17260,18 @@
           </a:p>
           <a:p>
             <a:r>
-              <a:rPr lang="mr-IN" b="1" dirty="0">
-                <a:solidFill>
-                  <a:srgbClr val="2EAEBB"/>
-                </a:solidFill>
-                <a:latin typeface="Courier New" charset="0"/>
-                <a:ea typeface="Courier New" charset="0"/>
-                <a:cs typeface="Courier New" charset="0"/>
-              </a:rPr>
-              <a:t>&lt;</a:t>
-            </a:r>
-            <a:r>
-              <a:rPr lang="mr-IN" b="1" dirty="0" err="1">
+              <a:rPr lang="en-US" b="1" dirty="0">
+                <a:solidFill>
+                  <a:srgbClr val="000000"/>
+                </a:solidFill>
+                <a:latin typeface="Courier New" charset="0"/>
+                <a:ea typeface="Courier New" charset="0"/>
+                <a:cs typeface="Courier New" charset="0"/>
+              </a:rPr>
+              <a:t>    </a:t>
+            </a:r>
+            <a:r>
+              <a:rPr lang="en-US" b="1" dirty="0">
                 <a:solidFill>
                   <a:srgbClr val="C1651C"/>
                 </a:solidFill>
@@ -16943,139 +17279,43 @@
                 <a:ea typeface="Courier New" charset="0"/>
                 <a:cs typeface="Courier New" charset="0"/>
               </a:rPr>
-              <a:t>ul</a:t>
-            </a:r>
-            <a:r>
-              <a:rPr lang="mr-IN" b="1" dirty="0">
-                <a:solidFill>
-                  <a:srgbClr val="2EAEBB"/>
-                </a:solidFill>
-                <a:latin typeface="Courier New" charset="0"/>
-                <a:ea typeface="Courier New" charset="0"/>
-                <a:cs typeface="Courier New" charset="0"/>
-              </a:rPr>
-              <a:t>&gt;</a:t>
-            </a:r>
-            <a:endParaRPr lang="mr-IN" b="1" dirty="0">
-              <a:solidFill>
-                <a:srgbClr val="000000"/>
-              </a:solidFill>
-              <a:latin typeface="Courier New" charset="0"/>
-              <a:ea typeface="Courier New" charset="0"/>
-              <a:cs typeface="Courier New" charset="0"/>
-            </a:endParaRPr>
-          </a:p>
-          <a:p>
-            <a:r>
-              <a:rPr lang="en-US" b="1" dirty="0">
-                <a:solidFill>
-                  <a:srgbClr val="000000"/>
-                </a:solidFill>
-                <a:latin typeface="Courier New" charset="0"/>
-                <a:ea typeface="Courier New" charset="0"/>
-                <a:cs typeface="Courier New" charset="0"/>
-              </a:rPr>
-              <a:t>    </a:t>
-            </a:r>
-            <a:r>
-              <a:rPr lang="en-US" b="1" dirty="0">
-                <a:solidFill>
-                  <a:srgbClr val="2EAEBB"/>
-                </a:solidFill>
-                <a:latin typeface="Courier New" charset="0"/>
-                <a:ea typeface="Courier New" charset="0"/>
-                <a:cs typeface="Courier New" charset="0"/>
-              </a:rPr>
-              <a:t>&lt;</a:t>
-            </a:r>
-            <a:r>
-              <a:rPr lang="en-US" b="1" dirty="0">
-                <a:solidFill>
-                  <a:srgbClr val="C1651C"/>
-                </a:solidFill>
-                <a:latin typeface="Courier New" charset="0"/>
-                <a:ea typeface="Courier New" charset="0"/>
-                <a:cs typeface="Courier New" charset="0"/>
-              </a:rPr>
-              <a:t>li</a:t>
-            </a:r>
-            <a:r>
-              <a:rPr lang="en-US" b="1" dirty="0">
-                <a:solidFill>
-                  <a:srgbClr val="2EAEBB"/>
-                </a:solidFill>
-                <a:latin typeface="Courier New" charset="0"/>
-                <a:ea typeface="Courier New" charset="0"/>
-                <a:cs typeface="Courier New" charset="0"/>
-              </a:rPr>
-              <a:t>&gt;</a:t>
-            </a:r>
-            <a:r>
-              <a:rPr lang="en-US" b="1" dirty="0">
-                <a:solidFill>
-                  <a:srgbClr val="000000"/>
-                </a:solidFill>
-                <a:latin typeface="Courier New" charset="0"/>
-                <a:ea typeface="Courier New" charset="0"/>
-                <a:cs typeface="Courier New" charset="0"/>
-              </a:rPr>
-              <a:t>This page is coming from a file in </a:t>
-            </a:r>
-            <a:r>
-              <a:rPr lang="en-US" b="1" dirty="0" smtClean="0">
-                <a:solidFill>
-                  <a:srgbClr val="000000"/>
-                </a:solidFill>
-                <a:latin typeface="Courier New" charset="0"/>
-                <a:ea typeface="Courier New" charset="0"/>
-                <a:cs typeface="Courier New" charset="0"/>
-              </a:rPr>
-              <a:t>views/templates/</a:t>
-            </a:r>
-            <a:r>
-              <a:rPr lang="en-US" b="1" dirty="0" err="1" smtClean="0">
-                <a:solidFill>
-                  <a:srgbClr val="000000"/>
-                </a:solidFill>
-                <a:latin typeface="Courier New" charset="0"/>
-                <a:ea typeface="Courier New" charset="0"/>
-                <a:cs typeface="Courier New" charset="0"/>
-              </a:rPr>
-              <a:t>main.html</a:t>
-            </a:r>
-            <a:r>
-              <a:rPr lang="en-US" b="1" dirty="0">
-                <a:solidFill>
-                  <a:srgbClr val="2EAEBB"/>
-                </a:solidFill>
-                <a:latin typeface="Courier New" charset="0"/>
-                <a:ea typeface="Courier New" charset="0"/>
-                <a:cs typeface="Courier New" charset="0"/>
-              </a:rPr>
-              <a:t>&lt;/</a:t>
-            </a:r>
-            <a:r>
-              <a:rPr lang="en-US" b="1" dirty="0">
-                <a:solidFill>
-                  <a:srgbClr val="C1651C"/>
-                </a:solidFill>
-                <a:latin typeface="Courier New" charset="0"/>
-                <a:ea typeface="Courier New" charset="0"/>
-                <a:cs typeface="Courier New" charset="0"/>
-              </a:rPr>
-              <a:t>li</a:t>
-            </a:r>
-            <a:r>
-              <a:rPr lang="en-US" b="1" dirty="0">
-                <a:solidFill>
-                  <a:srgbClr val="2EAEBB"/>
-                </a:solidFill>
-                <a:latin typeface="Courier New" charset="0"/>
-                <a:ea typeface="Courier New" charset="0"/>
-                <a:cs typeface="Courier New" charset="0"/>
-              </a:rPr>
-              <a:t>&gt;</a:t>
-            </a:r>
+              <a:t>return</a:t>
+            </a:r>
+            <a:r>
+              <a:rPr lang="en-US" b="1" dirty="0">
+                <a:solidFill>
+                  <a:srgbClr val="000000"/>
+                </a:solidFill>
+                <a:latin typeface="Courier New" charset="0"/>
+                <a:ea typeface="Courier New" charset="0"/>
+                <a:cs typeface="Courier New" charset="0"/>
+              </a:rPr>
+              <a:t> </a:t>
+            </a:r>
+            <a:r>
+              <a:rPr lang="en-US" b="1" dirty="0" err="1">
+                <a:solidFill>
+                  <a:srgbClr val="000000"/>
+                </a:solidFill>
+                <a:latin typeface="Courier New" charset="0"/>
+                <a:ea typeface="Courier New" charset="0"/>
+                <a:cs typeface="Courier New" charset="0"/>
+              </a:rPr>
+              <a:t>HttpResponse</a:t>
+            </a:r>
+            <a:r>
+              <a:rPr lang="en-US" b="1" dirty="0">
+                <a:solidFill>
+                  <a:srgbClr val="000000"/>
+                </a:solidFill>
+                <a:latin typeface="Courier New" charset="0"/>
+                <a:ea typeface="Courier New" charset="0"/>
+                <a:cs typeface="Courier New" charset="0"/>
+              </a:rPr>
+              <a:t>(response)</a:t>
+            </a:r>
+          </a:p>
+          <a:p>
             <a:endParaRPr lang="en-US" b="1" dirty="0">
               <a:solidFill>
                 <a:srgbClr val="000000"/>
@@ -17087,15 +17327,26 @@
           </a:p>
           <a:p>
             <a:r>
-              <a:rPr lang="en-US" b="1" dirty="0">
-                <a:solidFill>
-                  <a:srgbClr val="000000"/>
-                </a:solidFill>
-                <a:latin typeface="Courier New" charset="0"/>
-                <a:ea typeface="Courier New" charset="0"/>
-                <a:cs typeface="Courier New" charset="0"/>
-              </a:rPr>
-              <a:t>    </a:t>
+              <a:rPr lang="en-US" b="1" dirty="0" err="1">
+                <a:solidFill>
+                  <a:srgbClr val="C1651C"/>
+                </a:solidFill>
+                <a:latin typeface="Courier New" charset="0"/>
+                <a:ea typeface="Courier New" charset="0"/>
+                <a:cs typeface="Courier New" charset="0"/>
+              </a:rPr>
+              <a:t>def</a:t>
+            </a:r>
+            <a:r>
+              <a:rPr lang="en-US" b="1" dirty="0">
+                <a:solidFill>
+                  <a:srgbClr val="000000"/>
+                </a:solidFill>
+                <a:latin typeface="Courier New" charset="0"/>
+                <a:ea typeface="Courier New" charset="0"/>
+                <a:cs typeface="Courier New" charset="0"/>
+              </a:rPr>
+              <a:t> </a:t>
             </a:r>
             <a:r>
               <a:rPr lang="en-US" b="1" dirty="0">
@@ -17106,452 +17357,21 @@
                 <a:ea typeface="Courier New" charset="0"/>
                 <a:cs typeface="Courier New" charset="0"/>
               </a:rPr>
-              <a:t>&lt;</a:t>
-            </a:r>
-            <a:r>
-              <a:rPr lang="en-US" b="1" dirty="0">
-                <a:solidFill>
-                  <a:srgbClr val="C1651C"/>
-                </a:solidFill>
-                <a:latin typeface="Courier New" charset="0"/>
-                <a:ea typeface="Courier New" charset="0"/>
-                <a:cs typeface="Courier New" charset="0"/>
-              </a:rPr>
-              <a:t>li</a:t>
-            </a:r>
-            <a:r>
-              <a:rPr lang="en-US" b="1" dirty="0">
-                <a:solidFill>
-                  <a:srgbClr val="2EAEBB"/>
-                </a:solidFill>
-                <a:latin typeface="Courier New" charset="0"/>
-                <a:ea typeface="Courier New" charset="0"/>
-                <a:cs typeface="Courier New" charset="0"/>
-              </a:rPr>
-              <a:t>&gt;&lt;</a:t>
-            </a:r>
-            <a:r>
-              <a:rPr lang="en-US" b="1" dirty="0">
-                <a:solidFill>
-                  <a:srgbClr val="C1651C"/>
-                </a:solidFill>
-                <a:latin typeface="Courier New" charset="0"/>
-                <a:ea typeface="Courier New" charset="0"/>
-                <a:cs typeface="Courier New" charset="0"/>
-              </a:rPr>
-              <a:t>a</a:t>
-            </a:r>
-            <a:r>
-              <a:rPr lang="en-US" b="1" dirty="0">
-                <a:solidFill>
-                  <a:srgbClr val="2EAEBB"/>
-                </a:solidFill>
-                <a:latin typeface="Courier New" charset="0"/>
-                <a:ea typeface="Courier New" charset="0"/>
-                <a:cs typeface="Courier New" charset="0"/>
-              </a:rPr>
-              <a:t> </a:t>
-            </a:r>
-            <a:r>
-              <a:rPr lang="en-US" b="1" dirty="0" err="1">
-                <a:solidFill>
-                  <a:srgbClr val="2FB41D"/>
-                </a:solidFill>
-                <a:latin typeface="Courier New" charset="0"/>
-                <a:ea typeface="Courier New" charset="0"/>
-                <a:cs typeface="Courier New" charset="0"/>
-              </a:rPr>
-              <a:t>href</a:t>
-            </a:r>
-            <a:r>
-              <a:rPr lang="en-US" b="1" dirty="0">
-                <a:solidFill>
-                  <a:srgbClr val="2EAEBB"/>
-                </a:solidFill>
-                <a:latin typeface="Courier New" charset="0"/>
-                <a:ea typeface="Courier New" charset="0"/>
-                <a:cs typeface="Courier New" charset="0"/>
-              </a:rPr>
-              <a:t>=</a:t>
-            </a:r>
-            <a:r>
-              <a:rPr lang="en-US" b="1" dirty="0">
-                <a:solidFill>
-                  <a:srgbClr val="B42419"/>
-                </a:solidFill>
-                <a:latin typeface="Courier New" charset="0"/>
-                <a:ea typeface="Courier New" charset="0"/>
-                <a:cs typeface="Courier New" charset="0"/>
-              </a:rPr>
-              <a:t>"funky"</a:t>
-            </a:r>
-            <a:r>
-              <a:rPr lang="en-US" b="1" dirty="0">
-                <a:solidFill>
-                  <a:srgbClr val="2EAEBB"/>
-                </a:solidFill>
-                <a:latin typeface="Courier New" charset="0"/>
-                <a:ea typeface="Courier New" charset="0"/>
-                <a:cs typeface="Courier New" charset="0"/>
-              </a:rPr>
-              <a:t>&gt;</a:t>
-            </a:r>
-            <a:r>
-              <a:rPr lang="en-US" b="1" u="sng" dirty="0">
-                <a:solidFill>
-                  <a:srgbClr val="C814C9"/>
-                </a:solidFill>
-                <a:latin typeface="Courier New" charset="0"/>
-                <a:ea typeface="Courier New" charset="0"/>
-                <a:cs typeface="Courier New" charset="0"/>
-              </a:rPr>
-              <a:t>Use a view function</a:t>
-            </a:r>
-            <a:r>
-              <a:rPr lang="en-US" b="1" u="sng" dirty="0">
-                <a:solidFill>
-                  <a:srgbClr val="2EAEBB"/>
-                </a:solidFill>
-                <a:latin typeface="Courier New" charset="0"/>
-                <a:ea typeface="Courier New" charset="0"/>
-                <a:cs typeface="Courier New" charset="0"/>
-              </a:rPr>
-              <a:t>&lt;/</a:t>
-            </a:r>
-            <a:r>
-              <a:rPr lang="en-US" b="1" u="sng" dirty="0">
-                <a:solidFill>
-                  <a:srgbClr val="C1651C"/>
-                </a:solidFill>
-                <a:latin typeface="Courier New" charset="0"/>
-                <a:ea typeface="Courier New" charset="0"/>
-                <a:cs typeface="Courier New" charset="0"/>
-              </a:rPr>
-              <a:t>a</a:t>
-            </a:r>
-            <a:r>
-              <a:rPr lang="en-US" b="1" u="sng" dirty="0">
-                <a:solidFill>
-                  <a:srgbClr val="2EAEBB"/>
-                </a:solidFill>
-                <a:latin typeface="Courier New" charset="0"/>
-                <a:ea typeface="Courier New" charset="0"/>
-                <a:cs typeface="Courier New" charset="0"/>
-              </a:rPr>
-              <a:t>&gt;&lt;/</a:t>
-            </a:r>
-            <a:r>
-              <a:rPr lang="en-US" b="1" u="sng" dirty="0">
-                <a:solidFill>
-                  <a:srgbClr val="C1651C"/>
-                </a:solidFill>
-                <a:latin typeface="Courier New" charset="0"/>
-                <a:ea typeface="Courier New" charset="0"/>
-                <a:cs typeface="Courier New" charset="0"/>
-              </a:rPr>
-              <a:t>li</a:t>
-            </a:r>
-            <a:r>
-              <a:rPr lang="en-US" b="1" u="sng" dirty="0">
-                <a:solidFill>
-                  <a:srgbClr val="2EAEBB"/>
-                </a:solidFill>
-                <a:latin typeface="Courier New" charset="0"/>
-                <a:ea typeface="Courier New" charset="0"/>
-                <a:cs typeface="Courier New" charset="0"/>
-              </a:rPr>
-              <a:t>&gt;</a:t>
-            </a:r>
-          </a:p>
-          <a:p>
-            <a:r>
-              <a:rPr lang="en-US" b="1" u="sng" dirty="0">
-                <a:solidFill>
-                  <a:srgbClr val="000000"/>
-                </a:solidFill>
-                <a:latin typeface="Courier New" charset="0"/>
-                <a:ea typeface="Courier New" charset="0"/>
-                <a:cs typeface="Courier New" charset="0"/>
-              </a:rPr>
-              <a:t>...</a:t>
-            </a:r>
-          </a:p>
-          <a:p>
-            <a:r>
-              <a:rPr lang="mr-IN" b="1" dirty="0">
-                <a:solidFill>
-                  <a:srgbClr val="2EAEBB"/>
-                </a:solidFill>
-                <a:latin typeface="Courier New" charset="0"/>
-                <a:ea typeface="Courier New" charset="0"/>
-                <a:cs typeface="Courier New" charset="0"/>
-              </a:rPr>
-              <a:t>&lt;/</a:t>
-            </a:r>
-            <a:r>
-              <a:rPr lang="mr-IN" b="1" dirty="0" err="1">
-                <a:solidFill>
-                  <a:srgbClr val="C1651C"/>
-                </a:solidFill>
-                <a:latin typeface="Courier New" charset="0"/>
-                <a:ea typeface="Courier New" charset="0"/>
-                <a:cs typeface="Courier New" charset="0"/>
-              </a:rPr>
-              <a:t>ul</a:t>
-            </a:r>
-            <a:r>
-              <a:rPr lang="mr-IN" b="1" dirty="0">
-                <a:solidFill>
-                  <a:srgbClr val="2EAEBB"/>
-                </a:solidFill>
-                <a:latin typeface="Courier New" charset="0"/>
-                <a:ea typeface="Courier New" charset="0"/>
-                <a:cs typeface="Courier New" charset="0"/>
-              </a:rPr>
-              <a:t>&gt;</a:t>
-            </a:r>
-            <a:endParaRPr lang="mr-IN" b="1" dirty="0">
-              <a:solidFill>
-                <a:srgbClr val="000000"/>
-              </a:solidFill>
-              <a:latin typeface="Courier New" charset="0"/>
-              <a:ea typeface="Courier New" charset="0"/>
-              <a:cs typeface="Courier New" charset="0"/>
-            </a:endParaRPr>
-          </a:p>
-          <a:p>
-            <a:r>
-              <a:rPr lang="mr-IN" b="1" dirty="0">
-                <a:solidFill>
-                  <a:srgbClr val="2EAEBB"/>
-                </a:solidFill>
-                <a:latin typeface="Courier New" charset="0"/>
-                <a:ea typeface="Courier New" charset="0"/>
-                <a:cs typeface="Courier New" charset="0"/>
-              </a:rPr>
-              <a:t>&lt;/</a:t>
-            </a:r>
-            <a:r>
-              <a:rPr lang="mr-IN" b="1" dirty="0" err="1">
-                <a:solidFill>
-                  <a:srgbClr val="C1651C"/>
-                </a:solidFill>
-                <a:latin typeface="Courier New" charset="0"/>
-                <a:ea typeface="Courier New" charset="0"/>
-                <a:cs typeface="Courier New" charset="0"/>
-              </a:rPr>
-              <a:t>p</a:t>
-            </a:r>
-            <a:r>
-              <a:rPr lang="mr-IN" b="1" dirty="0">
-                <a:solidFill>
-                  <a:srgbClr val="2EAEBB"/>
-                </a:solidFill>
-                <a:latin typeface="Courier New" charset="0"/>
-                <a:ea typeface="Courier New" charset="0"/>
-                <a:cs typeface="Courier New" charset="0"/>
-              </a:rPr>
-              <a:t>&gt;</a:t>
-            </a:r>
-            <a:endParaRPr lang="mr-IN" b="1" dirty="0">
-              <a:solidFill>
-                <a:srgbClr val="000000"/>
-              </a:solidFill>
-              <a:latin typeface="Courier New" charset="0"/>
-              <a:ea typeface="Courier New" charset="0"/>
-              <a:cs typeface="Courier New" charset="0"/>
-            </a:endParaRPr>
-          </a:p>
-          <a:p>
-            <a:r>
-              <a:rPr lang="en-US" b="1" dirty="0">
-                <a:solidFill>
-                  <a:srgbClr val="2EAEBB"/>
-                </a:solidFill>
-                <a:latin typeface="Courier New" charset="0"/>
-                <a:ea typeface="Courier New" charset="0"/>
-                <a:cs typeface="Courier New" charset="0"/>
-              </a:rPr>
-              <a:t>&lt;</a:t>
-            </a:r>
-            <a:r>
-              <a:rPr lang="en-US" b="1" dirty="0">
-                <a:solidFill>
-                  <a:srgbClr val="C1651C"/>
-                </a:solidFill>
-                <a:latin typeface="Courier New" charset="0"/>
-                <a:ea typeface="Courier New" charset="0"/>
-                <a:cs typeface="Courier New" charset="0"/>
-              </a:rPr>
-              <a:t>p</a:t>
-            </a:r>
-            <a:r>
-              <a:rPr lang="en-US" b="1" dirty="0">
-                <a:solidFill>
-                  <a:srgbClr val="2EAEBB"/>
-                </a:solidFill>
-                <a:latin typeface="Courier New" charset="0"/>
-                <a:ea typeface="Courier New" charset="0"/>
-                <a:cs typeface="Courier New" charset="0"/>
-              </a:rPr>
-              <a:t>&gt;</a:t>
-            </a:r>
-            <a:r>
-              <a:rPr lang="en-US" b="1" dirty="0">
-                <a:solidFill>
-                  <a:srgbClr val="000000"/>
-                </a:solidFill>
-                <a:latin typeface="Courier New" charset="0"/>
-                <a:ea typeface="Courier New" charset="0"/>
-                <a:cs typeface="Courier New" charset="0"/>
-              </a:rPr>
-              <a:t>This sample code is available at</a:t>
-            </a:r>
-          </a:p>
-          <a:p>
-            <a:r>
-              <a:rPr lang="en-US" b="1" dirty="0">
-                <a:solidFill>
-                  <a:srgbClr val="2EAEBB"/>
-                </a:solidFill>
-                <a:latin typeface="Courier New" charset="0"/>
-                <a:ea typeface="Courier New" charset="0"/>
-                <a:cs typeface="Courier New" charset="0"/>
-              </a:rPr>
-              <a:t>&lt;</a:t>
-            </a:r>
-            <a:r>
-              <a:rPr lang="en-US" b="1" dirty="0">
-                <a:solidFill>
-                  <a:srgbClr val="C1651C"/>
-                </a:solidFill>
-                <a:latin typeface="Courier New" charset="0"/>
-                <a:ea typeface="Courier New" charset="0"/>
-                <a:cs typeface="Courier New" charset="0"/>
-              </a:rPr>
-              <a:t>a</a:t>
-            </a:r>
-            <a:r>
-              <a:rPr lang="en-US" b="1" dirty="0">
-                <a:solidFill>
-                  <a:srgbClr val="2EAEBB"/>
-                </a:solidFill>
-                <a:latin typeface="Courier New" charset="0"/>
-                <a:ea typeface="Courier New" charset="0"/>
-                <a:cs typeface="Courier New" charset="0"/>
-              </a:rPr>
-              <a:t> </a:t>
-            </a:r>
-            <a:r>
-              <a:rPr lang="en-US" b="1" dirty="0" err="1">
-                <a:solidFill>
-                  <a:srgbClr val="2FB41D"/>
-                </a:solidFill>
-                <a:latin typeface="Courier New" charset="0"/>
-                <a:ea typeface="Courier New" charset="0"/>
-                <a:cs typeface="Courier New" charset="0"/>
-              </a:rPr>
-              <a:t>href</a:t>
-            </a:r>
-            <a:r>
-              <a:rPr lang="en-US" b="1" dirty="0">
-                <a:solidFill>
-                  <a:srgbClr val="2EAEBB"/>
-                </a:solidFill>
-                <a:latin typeface="Courier New" charset="0"/>
-                <a:ea typeface="Courier New" charset="0"/>
-                <a:cs typeface="Courier New" charset="0"/>
-              </a:rPr>
-              <a:t>=</a:t>
-            </a:r>
-            <a:r>
-              <a:rPr lang="en-US" b="1" dirty="0">
-                <a:solidFill>
-                  <a:srgbClr val="B42419"/>
-                </a:solidFill>
-                <a:latin typeface="Courier New" charset="0"/>
-                <a:ea typeface="Courier New" charset="0"/>
-                <a:cs typeface="Courier New" charset="0"/>
-              </a:rPr>
-              <a:t>"https://</a:t>
-            </a:r>
-            <a:r>
-              <a:rPr lang="en-US" b="1" dirty="0" err="1">
-                <a:solidFill>
-                  <a:srgbClr val="B42419"/>
-                </a:solidFill>
-                <a:latin typeface="Courier New" charset="0"/>
-                <a:ea typeface="Courier New" charset="0"/>
-                <a:cs typeface="Courier New" charset="0"/>
-              </a:rPr>
-              <a:t>github.com</a:t>
-            </a:r>
-            <a:r>
-              <a:rPr lang="en-US" b="1" dirty="0">
-                <a:solidFill>
-                  <a:srgbClr val="B42419"/>
-                </a:solidFill>
-                <a:latin typeface="Courier New" charset="0"/>
-                <a:ea typeface="Courier New" charset="0"/>
-                <a:cs typeface="Courier New" charset="0"/>
-              </a:rPr>
-              <a:t>/csev/dj4e-samples"</a:t>
-            </a:r>
-            <a:r>
-              <a:rPr lang="en-US" b="1" dirty="0">
-                <a:solidFill>
-                  <a:srgbClr val="2EAEBB"/>
-                </a:solidFill>
-                <a:latin typeface="Courier New" charset="0"/>
-                <a:ea typeface="Courier New" charset="0"/>
-                <a:cs typeface="Courier New" charset="0"/>
-              </a:rPr>
-              <a:t> </a:t>
-            </a:r>
-            <a:r>
-              <a:rPr lang="en-US" b="1" dirty="0">
-                <a:solidFill>
-                  <a:srgbClr val="2FB41D"/>
-                </a:solidFill>
-                <a:latin typeface="Courier New" charset="0"/>
-                <a:ea typeface="Courier New" charset="0"/>
-                <a:cs typeface="Courier New" charset="0"/>
-              </a:rPr>
-              <a:t>target</a:t>
-            </a:r>
-            <a:r>
-              <a:rPr lang="en-US" b="1" dirty="0">
-                <a:solidFill>
-                  <a:srgbClr val="2EAEBB"/>
-                </a:solidFill>
-                <a:latin typeface="Courier New" charset="0"/>
-                <a:ea typeface="Courier New" charset="0"/>
-                <a:cs typeface="Courier New" charset="0"/>
-              </a:rPr>
-              <a:t>=</a:t>
-            </a:r>
-            <a:r>
-              <a:rPr lang="en-US" b="1" dirty="0">
-                <a:solidFill>
-                  <a:srgbClr val="B42419"/>
-                </a:solidFill>
-                <a:latin typeface="Courier New" charset="0"/>
-                <a:ea typeface="Courier New" charset="0"/>
-                <a:cs typeface="Courier New" charset="0"/>
-              </a:rPr>
-              <a:t>"_blank"</a:t>
-            </a:r>
-            <a:r>
-              <a:rPr lang="en-US" b="1" dirty="0">
-                <a:solidFill>
-                  <a:srgbClr val="2EAEBB"/>
-                </a:solidFill>
-                <a:latin typeface="Courier New" charset="0"/>
-                <a:ea typeface="Courier New" charset="0"/>
-                <a:cs typeface="Courier New" charset="0"/>
-              </a:rPr>
-              <a:t>&gt;</a:t>
-            </a:r>
+              <a:t>danger</a:t>
+            </a:r>
+            <a:r>
+              <a:rPr lang="en-US" b="1" dirty="0">
+                <a:solidFill>
+                  <a:srgbClr val="000000"/>
+                </a:solidFill>
+                <a:latin typeface="Courier New" charset="0"/>
+                <a:ea typeface="Courier New" charset="0"/>
+                <a:cs typeface="Courier New" charset="0"/>
+              </a:rPr>
+              <a:t>(request) :</a:t>
+            </a:r>
+          </a:p>
+          <a:p>
             <a:endParaRPr lang="en-US" b="1" dirty="0">
               <a:solidFill>
                 <a:srgbClr val="000000"/>
@@ -17563,200 +17383,29 @@
           </a:p>
           <a:p>
             <a:r>
-              <a:rPr lang="en-US" b="1" u="sng" dirty="0">
-                <a:solidFill>
-                  <a:srgbClr val="C814C9"/>
-                </a:solidFill>
-                <a:latin typeface="Courier New" charset="0"/>
-                <a:ea typeface="Courier New" charset="0"/>
-                <a:cs typeface="Courier New" charset="0"/>
-              </a:rPr>
-              <a:t>https://</a:t>
-            </a:r>
-            <a:r>
-              <a:rPr lang="en-US" b="1" u="sng" dirty="0" err="1">
-                <a:solidFill>
-                  <a:srgbClr val="C814C9"/>
-                </a:solidFill>
-                <a:latin typeface="Courier New" charset="0"/>
-                <a:ea typeface="Courier New" charset="0"/>
-                <a:cs typeface="Courier New" charset="0"/>
-              </a:rPr>
-              <a:t>github.com</a:t>
-            </a:r>
-            <a:r>
-              <a:rPr lang="en-US" b="1" u="sng" dirty="0">
-                <a:solidFill>
-                  <a:srgbClr val="C814C9"/>
-                </a:solidFill>
-                <a:latin typeface="Courier New" charset="0"/>
-                <a:ea typeface="Courier New" charset="0"/>
-                <a:cs typeface="Courier New" charset="0"/>
-              </a:rPr>
-              <a:t>/csev/dj4e-samples</a:t>
-            </a:r>
-            <a:r>
-              <a:rPr lang="en-US" b="1" u="sng" dirty="0">
-                <a:solidFill>
-                  <a:srgbClr val="2EAEBB"/>
-                </a:solidFill>
-                <a:latin typeface="Courier New" charset="0"/>
-                <a:ea typeface="Courier New" charset="0"/>
-                <a:cs typeface="Courier New" charset="0"/>
-              </a:rPr>
-              <a:t>&lt;/</a:t>
-            </a:r>
-            <a:r>
-              <a:rPr lang="en-US" b="1" u="sng" dirty="0">
-                <a:solidFill>
-                  <a:srgbClr val="C1651C"/>
-                </a:solidFill>
-                <a:latin typeface="Courier New" charset="0"/>
-                <a:ea typeface="Courier New" charset="0"/>
-                <a:cs typeface="Courier New" charset="0"/>
-              </a:rPr>
-              <a:t>a</a:t>
-            </a:r>
-            <a:r>
-              <a:rPr lang="en-US" b="1" u="sng" dirty="0">
-                <a:solidFill>
-                  <a:srgbClr val="2EAEBB"/>
-                </a:solidFill>
-                <a:latin typeface="Courier New" charset="0"/>
-                <a:ea typeface="Courier New" charset="0"/>
-                <a:cs typeface="Courier New" charset="0"/>
-              </a:rPr>
-              <a:t>&gt;</a:t>
-            </a:r>
-            <a:endParaRPr lang="en-US" b="1" u="sng" dirty="0">
-              <a:solidFill>
-                <a:srgbClr val="000000"/>
-              </a:solidFill>
-              <a:latin typeface="Courier New" charset="0"/>
-              <a:ea typeface="Courier New" charset="0"/>
-              <a:cs typeface="Courier New" charset="0"/>
-            </a:endParaRPr>
-          </a:p>
-          <a:p>
-            <a:r>
-              <a:rPr lang="mr-IN" b="1" u="sng" dirty="0">
-                <a:solidFill>
-                  <a:srgbClr val="2EAEBB"/>
-                </a:solidFill>
-                <a:latin typeface="Courier New" charset="0"/>
-                <a:ea typeface="Courier New" charset="0"/>
-                <a:cs typeface="Courier New" charset="0"/>
-              </a:rPr>
-              <a:t>&lt;/</a:t>
-            </a:r>
-            <a:r>
-              <a:rPr lang="mr-IN" b="1" u="sng" dirty="0" err="1">
-                <a:solidFill>
-                  <a:srgbClr val="C1651C"/>
-                </a:solidFill>
-                <a:latin typeface="Courier New" charset="0"/>
-                <a:ea typeface="Courier New" charset="0"/>
-                <a:cs typeface="Courier New" charset="0"/>
-              </a:rPr>
-              <a:t>p</a:t>
-            </a:r>
-            <a:r>
-              <a:rPr lang="mr-IN" b="1" u="sng" dirty="0">
-                <a:solidFill>
-                  <a:srgbClr val="2EAEBB"/>
-                </a:solidFill>
-                <a:latin typeface="Courier New" charset="0"/>
-                <a:ea typeface="Courier New" charset="0"/>
-                <a:cs typeface="Courier New" charset="0"/>
-              </a:rPr>
-              <a:t>&gt;</a:t>
-            </a:r>
-            <a:endParaRPr lang="mr-IN" b="1" u="sng" dirty="0">
-              <a:solidFill>
-                <a:srgbClr val="000000"/>
-              </a:solidFill>
-              <a:latin typeface="Courier New" charset="0"/>
-              <a:ea typeface="Courier New" charset="0"/>
-              <a:cs typeface="Courier New" charset="0"/>
-            </a:endParaRPr>
-          </a:p>
-          <a:p>
-            <a:r>
-              <a:rPr lang="en-US" b="1" u="sng" dirty="0">
-                <a:solidFill>
-                  <a:srgbClr val="2EAEBB"/>
-                </a:solidFill>
-                <a:latin typeface="Courier New" charset="0"/>
-                <a:ea typeface="Courier New" charset="0"/>
-                <a:cs typeface="Courier New" charset="0"/>
-              </a:rPr>
-              <a:t>&lt;/</a:t>
-            </a:r>
-            <a:r>
-              <a:rPr lang="en-US" b="1" u="sng" dirty="0">
-                <a:solidFill>
-                  <a:srgbClr val="C1651C"/>
-                </a:solidFill>
-                <a:latin typeface="Courier New" charset="0"/>
-                <a:ea typeface="Courier New" charset="0"/>
-                <a:cs typeface="Courier New" charset="0"/>
-              </a:rPr>
-              <a:t>body</a:t>
-            </a:r>
-            <a:r>
-              <a:rPr lang="en-US" b="1" u="sng" dirty="0">
-                <a:solidFill>
-                  <a:srgbClr val="2EAEBB"/>
-                </a:solidFill>
-                <a:latin typeface="Courier New" charset="0"/>
-                <a:ea typeface="Courier New" charset="0"/>
-                <a:cs typeface="Courier New" charset="0"/>
-              </a:rPr>
-              <a:t>&gt;&lt;/</a:t>
-            </a:r>
-            <a:r>
-              <a:rPr lang="en-US" b="1" u="sng" dirty="0">
-                <a:solidFill>
-                  <a:srgbClr val="C1651C"/>
-                </a:solidFill>
-                <a:latin typeface="Courier New" charset="0"/>
-                <a:ea typeface="Courier New" charset="0"/>
-                <a:cs typeface="Courier New" charset="0"/>
-              </a:rPr>
-              <a:t>html</a:t>
-            </a:r>
-            <a:r>
-              <a:rPr lang="en-US" b="1" u="sng" dirty="0">
-                <a:solidFill>
-                  <a:srgbClr val="2EAEBB"/>
-                </a:solidFill>
-                <a:latin typeface="Courier New" charset="0"/>
-                <a:ea typeface="Courier New" charset="0"/>
-                <a:cs typeface="Courier New" charset="0"/>
-              </a:rPr>
-              <a:t>&gt;</a:t>
-            </a:r>
-            <a:endParaRPr lang="en-US" b="1" u="sng" dirty="0">
-              <a:solidFill>
-                <a:srgbClr val="000000"/>
-              </a:solidFill>
-              <a:latin typeface="Courier New" charset="0"/>
-              <a:ea typeface="Courier New" charset="0"/>
-              <a:cs typeface="Courier New" charset="0"/>
-            </a:endParaRPr>
+              <a:rPr lang="en-US" b="1" dirty="0">
+                <a:solidFill>
+                  <a:srgbClr val="000000"/>
+                </a:solidFill>
+                <a:latin typeface="Courier New" charset="0"/>
+                <a:ea typeface="Courier New" charset="0"/>
+                <a:cs typeface="Courier New" charset="0"/>
+              </a:rPr>
+              <a:t>    ...</a:t>
+            </a:r>
           </a:p>
         </p:txBody>
       </p:sp>
       <p:sp>
         <p:nvSpPr>
-          <p:cNvPr id="5" name="TextBox 4"/>
+          <p:cNvPr id="6" name="TextBox 5"/>
           <p:cNvSpPr txBox="1"/>
           <p:nvPr/>
         </p:nvSpPr>
         <p:spPr>
           <a:xfrm>
-            <a:off x="8542508" y="191881"/>
-            <a:ext cx="3631122" cy="923330"/>
+            <a:off x="7585245" y="206168"/>
+            <a:ext cx="4458272" cy="923330"/>
           </a:xfrm>
           <a:prstGeom prst="rect">
             <a:avLst/>
@@ -17794,6 +17443,9 @@
           <a:p>
             <a:r>
               <a:rPr lang="en-US" b="1" dirty="0" smtClean="0">
+                <a:solidFill>
+                  <a:srgbClr val="FFFF00"/>
+                </a:solidFill>
                 <a:latin typeface="Courier New" charset="0"/>
                 <a:ea typeface="Courier New" charset="0"/>
                 <a:cs typeface="Courier New" charset="0"/>
@@ -17802,40 +17454,14 @@
             </a:r>
             <a:r>
               <a:rPr lang="en-US" b="1" dirty="0" err="1" smtClean="0">
+                <a:solidFill>
+                  <a:srgbClr val="FFFF00"/>
+                </a:solidFill>
                 <a:latin typeface="Courier New" charset="0"/>
                 <a:ea typeface="Courier New" charset="0"/>
                 <a:cs typeface="Courier New" charset="0"/>
               </a:rPr>
               <a:t>views.py</a:t>
-            </a:r>
-            <a:endParaRPr lang="en-US" b="1" dirty="0">
-              <a:latin typeface="Courier New" charset="0"/>
-              <a:ea typeface="Courier New" charset="0"/>
-              <a:cs typeface="Courier New" charset="0"/>
-            </a:endParaRPr>
-          </a:p>
-          <a:p>
-            <a:r>
-              <a:rPr lang="en-US" b="1" dirty="0" smtClean="0">
-                <a:solidFill>
-                  <a:srgbClr val="FFFF00"/>
-                </a:solidFill>
-                <a:latin typeface="Courier New" charset="0"/>
-                <a:ea typeface="Courier New" charset="0"/>
-                <a:cs typeface="Courier New" charset="0"/>
-              </a:rPr>
-              <a:t>views/templates/</a:t>
-            </a:r>
-            <a:r>
-              <a:rPr lang="en-US" b="1" dirty="0" err="1" smtClean="0">
-                <a:solidFill>
-                  <a:srgbClr val="FFFF00"/>
-                </a:solidFill>
-                <a:latin typeface="Courier New" charset="0"/>
-                <a:ea typeface="Courier New" charset="0"/>
-                <a:cs typeface="Courier New" charset="0"/>
-              </a:rPr>
-              <a:t>main.html</a:t>
             </a:r>
             <a:endParaRPr lang="en-US" b="1" dirty="0">
               <a:solidFill>
@@ -17846,12 +17472,35 @@
               <a:cs typeface="Courier New" charset="0"/>
             </a:endParaRPr>
           </a:p>
+          <a:p>
+            <a:r>
+              <a:rPr lang="en-US" b="1" dirty="0" smtClean="0">
+                <a:latin typeface="Courier New" charset="0"/>
+                <a:ea typeface="Courier New" charset="0"/>
+                <a:cs typeface="Courier New" charset="0"/>
+              </a:rPr>
+              <a:t>views/views/templates/</a:t>
+            </a:r>
+            <a:r>
+              <a:rPr lang="en-US" b="1" dirty="0" err="1" smtClean="0">
+                <a:latin typeface="Courier New" charset="0"/>
+                <a:ea typeface="Courier New" charset="0"/>
+                <a:cs typeface="Courier New" charset="0"/>
+              </a:rPr>
+              <a:t>main.html</a:t>
+            </a:r>
+            <a:endParaRPr lang="en-US" b="1" dirty="0">
+              <a:latin typeface="Courier New" charset="0"/>
+              <a:ea typeface="Courier New" charset="0"/>
+              <a:cs typeface="Courier New" charset="0"/>
+            </a:endParaRPr>
+          </a:p>
         </p:txBody>
       </p:sp>
     </p:spTree>
     <p:extLst>
       <p:ext uri="{BB962C8B-B14F-4D97-AF65-F5344CB8AC3E}">
-        <p14:creationId xmlns:p14="http://schemas.microsoft.com/office/powerpoint/2010/main" val="1058577490"/>
+        <p14:creationId xmlns:p14="http://schemas.microsoft.com/office/powerpoint/2010/main" val="153490284"/>
       </p:ext>
     </p:extLst>
   </p:cSld>
@@ -17887,7 +17536,7 @@
         <p:spPr>
           <a:xfrm>
             <a:off x="465222" y="1824620"/>
-            <a:ext cx="9946954" cy="4524315"/>
+            <a:ext cx="10225876" cy="3693319"/>
           </a:xfrm>
           <a:prstGeom prst="rect">
             <a:avLst/>
@@ -17905,24 +17554,101 @@
             <a:r>
               <a:rPr lang="en-US" b="1" dirty="0">
                 <a:solidFill>
-                  <a:srgbClr val="C814C9"/>
-                </a:solidFill>
-                <a:latin typeface="Courier New" charset="0"/>
-                <a:ea typeface="Courier New" charset="0"/>
-                <a:cs typeface="Courier New" charset="0"/>
-              </a:rPr>
-              <a:t>from</a:t>
-            </a:r>
-            <a:r>
-              <a:rPr lang="en-US" b="1" dirty="0">
-                <a:solidFill>
-                  <a:srgbClr val="000000"/>
-                </a:solidFill>
-                <a:latin typeface="Courier New" charset="0"/>
-                <a:ea typeface="Courier New" charset="0"/>
-                <a:cs typeface="Courier New" charset="0"/>
-              </a:rPr>
-              <a:t> </a:t>
+                  <a:srgbClr val="1396A3"/>
+                </a:solidFill>
+                <a:latin typeface="Courier New" charset="0"/>
+                <a:ea typeface="Courier New" charset="0"/>
+                <a:cs typeface="Courier New" charset="0"/>
+              </a:rPr>
+              <a:t>&lt;</a:t>
+            </a:r>
+            <a:r>
+              <a:rPr lang="en-US" b="1" dirty="0">
+                <a:solidFill>
+                  <a:srgbClr val="C1651C"/>
+                </a:solidFill>
+                <a:latin typeface="Courier New" charset="0"/>
+                <a:ea typeface="Courier New" charset="0"/>
+                <a:cs typeface="Courier New" charset="0"/>
+              </a:rPr>
+              <a:t>html</a:t>
+            </a:r>
+            <a:r>
+              <a:rPr lang="en-US" b="1" dirty="0">
+                <a:solidFill>
+                  <a:srgbClr val="1396A3"/>
+                </a:solidFill>
+                <a:latin typeface="Courier New" charset="0"/>
+                <a:ea typeface="Courier New" charset="0"/>
+                <a:cs typeface="Courier New" charset="0"/>
+              </a:rPr>
+              <a:t>&gt;</a:t>
+            </a:r>
+            <a:r>
+              <a:rPr lang="en-US" b="1" dirty="0">
+                <a:solidFill>
+                  <a:srgbClr val="2EAEBB"/>
+                </a:solidFill>
+                <a:latin typeface="Courier New" charset="0"/>
+                <a:ea typeface="Courier New" charset="0"/>
+                <a:cs typeface="Courier New" charset="0"/>
+              </a:rPr>
+              <a:t>&lt;</a:t>
+            </a:r>
+            <a:r>
+              <a:rPr lang="en-US" b="1" dirty="0">
+                <a:solidFill>
+                  <a:srgbClr val="C1651C"/>
+                </a:solidFill>
+                <a:latin typeface="Courier New" charset="0"/>
+                <a:ea typeface="Courier New" charset="0"/>
+                <a:cs typeface="Courier New" charset="0"/>
+              </a:rPr>
+              <a:t>body</a:t>
+            </a:r>
+            <a:r>
+              <a:rPr lang="en-US" b="1" dirty="0">
+                <a:solidFill>
+                  <a:srgbClr val="2EAEBB"/>
+                </a:solidFill>
+                <a:latin typeface="Courier New" charset="0"/>
+                <a:ea typeface="Courier New" charset="0"/>
+                <a:cs typeface="Courier New" charset="0"/>
+              </a:rPr>
+              <a:t>&gt;&lt;</a:t>
+            </a:r>
+            <a:r>
+              <a:rPr lang="en-US" b="1" dirty="0">
+                <a:solidFill>
+                  <a:srgbClr val="C1651C"/>
+                </a:solidFill>
+                <a:latin typeface="Courier New" charset="0"/>
+                <a:ea typeface="Courier New" charset="0"/>
+                <a:cs typeface="Courier New" charset="0"/>
+              </a:rPr>
+              <a:t>p</a:t>
+            </a:r>
+            <a:r>
+              <a:rPr lang="en-US" b="1" dirty="0">
+                <a:solidFill>
+                  <a:srgbClr val="2EAEBB"/>
+                </a:solidFill>
+                <a:latin typeface="Courier New" charset="0"/>
+                <a:ea typeface="Courier New" charset="0"/>
+                <a:cs typeface="Courier New" charset="0"/>
+              </a:rPr>
+              <a:t>&gt;</a:t>
+            </a:r>
+            <a:r>
+              <a:rPr lang="en-US" b="1" dirty="0">
+                <a:solidFill>
+                  <a:srgbClr val="000000"/>
+                </a:solidFill>
+                <a:latin typeface="Courier New" charset="0"/>
+                <a:ea typeface="Courier New" charset="0"/>
+                <a:cs typeface="Courier New" charset="0"/>
+              </a:rPr>
+              <a:t>This is the views </a:t>
             </a:r>
             <a:r>
               <a:rPr lang="en-US" b="1" dirty="0" err="1">
@@ -17933,51 +17659,51 @@
                 <a:ea typeface="Courier New" charset="0"/>
                 <a:cs typeface="Courier New" charset="0"/>
               </a:rPr>
-              <a:t>django.http</a:t>
-            </a:r>
-            <a:r>
-              <a:rPr lang="en-US" b="1" dirty="0">
-                <a:solidFill>
-                  <a:srgbClr val="000000"/>
-                </a:solidFill>
-                <a:latin typeface="Courier New" charset="0"/>
-                <a:ea typeface="Courier New" charset="0"/>
-                <a:cs typeface="Courier New" charset="0"/>
-              </a:rPr>
-              <a:t> </a:t>
-            </a:r>
-            <a:r>
-              <a:rPr lang="en-US" b="1" dirty="0">
-                <a:solidFill>
-                  <a:srgbClr val="C814C9"/>
-                </a:solidFill>
-                <a:latin typeface="Courier New" charset="0"/>
-                <a:ea typeface="Courier New" charset="0"/>
-                <a:cs typeface="Courier New" charset="0"/>
-              </a:rPr>
-              <a:t>import</a:t>
-            </a:r>
-            <a:r>
-              <a:rPr lang="en-US" b="1" dirty="0">
-                <a:solidFill>
-                  <a:srgbClr val="000000"/>
-                </a:solidFill>
-                <a:latin typeface="Courier New" charset="0"/>
-                <a:ea typeface="Courier New" charset="0"/>
-                <a:cs typeface="Courier New" charset="0"/>
-              </a:rPr>
-              <a:t> </a:t>
-            </a:r>
-            <a:r>
-              <a:rPr lang="en-US" b="1" dirty="0" err="1">
-                <a:solidFill>
-                  <a:srgbClr val="000000"/>
-                </a:solidFill>
-                <a:latin typeface="Courier New" charset="0"/>
-                <a:ea typeface="Courier New" charset="0"/>
-                <a:cs typeface="Courier New" charset="0"/>
-              </a:rPr>
-              <a:t>HttpResponse</a:t>
+              <a:t>main.html</a:t>
+            </a:r>
+            <a:r>
+              <a:rPr lang="en-US" b="1" dirty="0">
+                <a:solidFill>
+                  <a:srgbClr val="000000"/>
+                </a:solidFill>
+                <a:latin typeface="Courier New" charset="0"/>
+                <a:ea typeface="Courier New" charset="0"/>
+                <a:cs typeface="Courier New" charset="0"/>
+              </a:rPr>
+              <a:t> sample</a:t>
+            </a:r>
+            <a:r>
+              <a:rPr lang="en-US" b="1" dirty="0">
+                <a:solidFill>
+                  <a:srgbClr val="2EAEBB"/>
+                </a:solidFill>
+                <a:latin typeface="Courier New" charset="0"/>
+                <a:ea typeface="Courier New" charset="0"/>
+                <a:cs typeface="Courier New" charset="0"/>
+              </a:rPr>
+              <a:t>&lt;/</a:t>
+            </a:r>
+            <a:r>
+              <a:rPr lang="en-US" b="1" dirty="0">
+                <a:solidFill>
+                  <a:srgbClr val="C1651C"/>
+                </a:solidFill>
+                <a:latin typeface="Courier New" charset="0"/>
+                <a:ea typeface="Courier New" charset="0"/>
+                <a:cs typeface="Courier New" charset="0"/>
+              </a:rPr>
+              <a:t>p</a:t>
+            </a:r>
+            <a:r>
+              <a:rPr lang="en-US" b="1" dirty="0">
+                <a:solidFill>
+                  <a:srgbClr val="2EAEBB"/>
+                </a:solidFill>
+                <a:latin typeface="Courier New" charset="0"/>
+                <a:ea typeface="Courier New" charset="0"/>
+                <a:cs typeface="Courier New" charset="0"/>
+              </a:rPr>
+              <a:t>&gt;</a:t>
             </a:r>
             <a:endParaRPr lang="en-US" b="1" dirty="0">
               <a:solidFill>
@@ -17990,81 +17716,200 @@
           </a:p>
           <a:p>
             <a:r>
-              <a:rPr lang="en-US" b="1" dirty="0">
-                <a:solidFill>
-                  <a:srgbClr val="C814C9"/>
-                </a:solidFill>
-                <a:latin typeface="Courier New" charset="0"/>
-                <a:ea typeface="Courier New" charset="0"/>
-                <a:cs typeface="Courier New" charset="0"/>
-              </a:rPr>
-              <a:t>from</a:t>
-            </a:r>
-            <a:r>
-              <a:rPr lang="en-US" b="1" dirty="0">
-                <a:solidFill>
-                  <a:srgbClr val="000000"/>
-                </a:solidFill>
-                <a:latin typeface="Courier New" charset="0"/>
-                <a:ea typeface="Courier New" charset="0"/>
-                <a:cs typeface="Courier New" charset="0"/>
-              </a:rPr>
-              <a:t> </a:t>
-            </a:r>
-            <a:r>
-              <a:rPr lang="en-US" b="1" dirty="0" err="1">
-                <a:solidFill>
-                  <a:srgbClr val="000000"/>
-                </a:solidFill>
-                <a:latin typeface="Courier New" charset="0"/>
-                <a:ea typeface="Courier New" charset="0"/>
-                <a:cs typeface="Courier New" charset="0"/>
-              </a:rPr>
-              <a:t>django.http</a:t>
-            </a:r>
-            <a:r>
-              <a:rPr lang="en-US" b="1" dirty="0">
-                <a:solidFill>
-                  <a:srgbClr val="000000"/>
-                </a:solidFill>
-                <a:latin typeface="Courier New" charset="0"/>
-                <a:ea typeface="Courier New" charset="0"/>
-                <a:cs typeface="Courier New" charset="0"/>
-              </a:rPr>
-              <a:t> </a:t>
-            </a:r>
-            <a:r>
-              <a:rPr lang="en-US" b="1" dirty="0">
-                <a:solidFill>
-                  <a:srgbClr val="C814C9"/>
-                </a:solidFill>
-                <a:latin typeface="Courier New" charset="0"/>
-                <a:ea typeface="Courier New" charset="0"/>
-                <a:cs typeface="Courier New" charset="0"/>
-              </a:rPr>
-              <a:t>import</a:t>
-            </a:r>
-            <a:r>
-              <a:rPr lang="en-US" b="1" dirty="0">
-                <a:solidFill>
-                  <a:srgbClr val="000000"/>
-                </a:solidFill>
-                <a:latin typeface="Courier New" charset="0"/>
-                <a:ea typeface="Courier New" charset="0"/>
-                <a:cs typeface="Courier New" charset="0"/>
-              </a:rPr>
-              <a:t> </a:t>
-            </a:r>
-            <a:r>
-              <a:rPr lang="en-US" b="1" dirty="0" err="1">
-                <a:solidFill>
-                  <a:srgbClr val="000000"/>
-                </a:solidFill>
-                <a:latin typeface="Courier New" charset="0"/>
-                <a:ea typeface="Courier New" charset="0"/>
-                <a:cs typeface="Courier New" charset="0"/>
-              </a:rPr>
-              <a:t>HttpResponseRedirect</a:t>
+              <a:rPr lang="mr-IN" b="1" dirty="0">
+                <a:solidFill>
+                  <a:srgbClr val="2EAEBB"/>
+                </a:solidFill>
+                <a:latin typeface="Courier New" charset="0"/>
+                <a:ea typeface="Courier New" charset="0"/>
+                <a:cs typeface="Courier New" charset="0"/>
+              </a:rPr>
+              <a:t>&lt;</a:t>
+            </a:r>
+            <a:r>
+              <a:rPr lang="mr-IN" b="1" dirty="0" err="1">
+                <a:solidFill>
+                  <a:srgbClr val="C1651C"/>
+                </a:solidFill>
+                <a:latin typeface="Courier New" charset="0"/>
+                <a:ea typeface="Courier New" charset="0"/>
+                <a:cs typeface="Courier New" charset="0"/>
+              </a:rPr>
+              <a:t>p</a:t>
+            </a:r>
+            <a:r>
+              <a:rPr lang="mr-IN" b="1" dirty="0">
+                <a:solidFill>
+                  <a:srgbClr val="2EAEBB"/>
+                </a:solidFill>
+                <a:latin typeface="Courier New" charset="0"/>
+                <a:ea typeface="Courier New" charset="0"/>
+                <a:cs typeface="Courier New" charset="0"/>
+              </a:rPr>
+              <a:t>&gt;</a:t>
+            </a:r>
+            <a:endParaRPr lang="mr-IN" b="1" dirty="0">
+              <a:solidFill>
+                <a:srgbClr val="000000"/>
+              </a:solidFill>
+              <a:latin typeface="Courier New" charset="0"/>
+              <a:ea typeface="Courier New" charset="0"/>
+              <a:cs typeface="Courier New" charset="0"/>
+            </a:endParaRPr>
+          </a:p>
+          <a:p>
+            <a:r>
+              <a:rPr lang="mr-IN" b="1" dirty="0">
+                <a:solidFill>
+                  <a:srgbClr val="2EAEBB"/>
+                </a:solidFill>
+                <a:latin typeface="Courier New" charset="0"/>
+                <a:ea typeface="Courier New" charset="0"/>
+                <a:cs typeface="Courier New" charset="0"/>
+              </a:rPr>
+              <a:t>&lt;</a:t>
+            </a:r>
+            <a:r>
+              <a:rPr lang="mr-IN" b="1" dirty="0" err="1">
+                <a:solidFill>
+                  <a:srgbClr val="C1651C"/>
+                </a:solidFill>
+                <a:latin typeface="Courier New" charset="0"/>
+                <a:ea typeface="Courier New" charset="0"/>
+                <a:cs typeface="Courier New" charset="0"/>
+              </a:rPr>
+              <a:t>ul</a:t>
+            </a:r>
+            <a:r>
+              <a:rPr lang="mr-IN" b="1" dirty="0">
+                <a:solidFill>
+                  <a:srgbClr val="2EAEBB"/>
+                </a:solidFill>
+                <a:latin typeface="Courier New" charset="0"/>
+                <a:ea typeface="Courier New" charset="0"/>
+                <a:cs typeface="Courier New" charset="0"/>
+              </a:rPr>
+              <a:t>&gt;</a:t>
+            </a:r>
+            <a:endParaRPr lang="mr-IN" b="1" dirty="0">
+              <a:solidFill>
+                <a:srgbClr val="000000"/>
+              </a:solidFill>
+              <a:latin typeface="Courier New" charset="0"/>
+              <a:ea typeface="Courier New" charset="0"/>
+              <a:cs typeface="Courier New" charset="0"/>
+            </a:endParaRPr>
+          </a:p>
+          <a:p>
+            <a:r>
+              <a:rPr lang="en-US" b="1" dirty="0">
+                <a:solidFill>
+                  <a:srgbClr val="000000"/>
+                </a:solidFill>
+                <a:latin typeface="Courier New" charset="0"/>
+                <a:ea typeface="Courier New" charset="0"/>
+                <a:cs typeface="Courier New" charset="0"/>
+              </a:rPr>
+              <a:t>    </a:t>
+            </a:r>
+            <a:r>
+              <a:rPr lang="en-US" b="1" dirty="0">
+                <a:solidFill>
+                  <a:srgbClr val="2EAEBB"/>
+                </a:solidFill>
+                <a:latin typeface="Courier New" charset="0"/>
+                <a:ea typeface="Courier New" charset="0"/>
+                <a:cs typeface="Courier New" charset="0"/>
+              </a:rPr>
+              <a:t>&lt;</a:t>
+            </a:r>
+            <a:r>
+              <a:rPr lang="en-US" b="1" dirty="0">
+                <a:solidFill>
+                  <a:srgbClr val="C1651C"/>
+                </a:solidFill>
+                <a:latin typeface="Courier New" charset="0"/>
+                <a:ea typeface="Courier New" charset="0"/>
+                <a:cs typeface="Courier New" charset="0"/>
+              </a:rPr>
+              <a:t>li</a:t>
+            </a:r>
+            <a:r>
+              <a:rPr lang="en-US" b="1" dirty="0">
+                <a:solidFill>
+                  <a:srgbClr val="2EAEBB"/>
+                </a:solidFill>
+                <a:latin typeface="Courier New" charset="0"/>
+                <a:ea typeface="Courier New" charset="0"/>
+                <a:cs typeface="Courier New" charset="0"/>
+              </a:rPr>
+              <a:t>&gt;</a:t>
+            </a:r>
+            <a:r>
+              <a:rPr lang="en-US" b="1" dirty="0">
+                <a:solidFill>
+                  <a:srgbClr val="000000"/>
+                </a:solidFill>
+                <a:latin typeface="Courier New" charset="0"/>
+                <a:ea typeface="Courier New" charset="0"/>
+                <a:cs typeface="Courier New" charset="0"/>
+              </a:rPr>
+              <a:t>This page is coming from a file in </a:t>
+            </a:r>
+            <a:r>
+              <a:rPr lang="en-US" b="1" dirty="0" smtClean="0">
+                <a:solidFill>
+                  <a:srgbClr val="000000"/>
+                </a:solidFill>
+                <a:latin typeface="Courier New" charset="0"/>
+                <a:ea typeface="Courier New" charset="0"/>
+                <a:cs typeface="Courier New" charset="0"/>
+              </a:rPr>
+              <a:t>views/templates/</a:t>
+            </a:r>
+            <a:r>
+              <a:rPr lang="en-US" b="1" dirty="0" err="1" smtClean="0">
+                <a:solidFill>
+                  <a:srgbClr val="000000"/>
+                </a:solidFill>
+                <a:latin typeface="Courier New" charset="0"/>
+                <a:ea typeface="Courier New" charset="0"/>
+                <a:cs typeface="Courier New" charset="0"/>
+              </a:rPr>
+              <a:t>main.html</a:t>
+            </a:r>
+            <a:r>
+              <a:rPr lang="en-US" b="1" dirty="0">
+                <a:solidFill>
+                  <a:srgbClr val="2EAEBB"/>
+                </a:solidFill>
+                <a:latin typeface="Courier New" charset="0"/>
+                <a:ea typeface="Courier New" charset="0"/>
+                <a:cs typeface="Courier New" charset="0"/>
+              </a:rPr>
+              <a:t>&lt;/</a:t>
+            </a:r>
+            <a:r>
+              <a:rPr lang="en-US" b="1" dirty="0">
+                <a:solidFill>
+                  <a:srgbClr val="C1651C"/>
+                </a:solidFill>
+                <a:latin typeface="Courier New" charset="0"/>
+                <a:ea typeface="Courier New" charset="0"/>
+                <a:cs typeface="Courier New" charset="0"/>
+              </a:rPr>
+              <a:t>li</a:t>
+            </a:r>
+            <a:r>
+              <a:rPr lang="en-US" b="1" dirty="0">
+                <a:solidFill>
+                  <a:srgbClr val="2EAEBB"/>
+                </a:solidFill>
+                <a:latin typeface="Courier New" charset="0"/>
+                <a:ea typeface="Courier New" charset="0"/>
+                <a:cs typeface="Courier New" charset="0"/>
+              </a:rPr>
+              <a:t>&gt;</a:t>
             </a:r>
             <a:endParaRPr lang="en-US" b="1" dirty="0">
               <a:solidFill>
@@ -18076,6 +17921,472 @@
             </a:endParaRPr>
           </a:p>
           <a:p>
+            <a:r>
+              <a:rPr lang="en-US" b="1" dirty="0">
+                <a:solidFill>
+                  <a:srgbClr val="000000"/>
+                </a:solidFill>
+                <a:latin typeface="Courier New" charset="0"/>
+                <a:ea typeface="Courier New" charset="0"/>
+                <a:cs typeface="Courier New" charset="0"/>
+              </a:rPr>
+              <a:t>    </a:t>
+            </a:r>
+            <a:r>
+              <a:rPr lang="en-US" b="1" dirty="0">
+                <a:solidFill>
+                  <a:srgbClr val="2EAEBB"/>
+                </a:solidFill>
+                <a:latin typeface="Courier New" charset="0"/>
+                <a:ea typeface="Courier New" charset="0"/>
+                <a:cs typeface="Courier New" charset="0"/>
+              </a:rPr>
+              <a:t>&lt;</a:t>
+            </a:r>
+            <a:r>
+              <a:rPr lang="en-US" b="1" dirty="0">
+                <a:solidFill>
+                  <a:srgbClr val="C1651C"/>
+                </a:solidFill>
+                <a:latin typeface="Courier New" charset="0"/>
+                <a:ea typeface="Courier New" charset="0"/>
+                <a:cs typeface="Courier New" charset="0"/>
+              </a:rPr>
+              <a:t>li</a:t>
+            </a:r>
+            <a:r>
+              <a:rPr lang="en-US" b="1" dirty="0">
+                <a:solidFill>
+                  <a:srgbClr val="2EAEBB"/>
+                </a:solidFill>
+                <a:latin typeface="Courier New" charset="0"/>
+                <a:ea typeface="Courier New" charset="0"/>
+                <a:cs typeface="Courier New" charset="0"/>
+              </a:rPr>
+              <a:t>&gt;&lt;</a:t>
+            </a:r>
+            <a:r>
+              <a:rPr lang="en-US" b="1" dirty="0">
+                <a:solidFill>
+                  <a:srgbClr val="C1651C"/>
+                </a:solidFill>
+                <a:latin typeface="Courier New" charset="0"/>
+                <a:ea typeface="Courier New" charset="0"/>
+                <a:cs typeface="Courier New" charset="0"/>
+              </a:rPr>
+              <a:t>a</a:t>
+            </a:r>
+            <a:r>
+              <a:rPr lang="en-US" b="1" dirty="0">
+                <a:solidFill>
+                  <a:srgbClr val="2EAEBB"/>
+                </a:solidFill>
+                <a:latin typeface="Courier New" charset="0"/>
+                <a:ea typeface="Courier New" charset="0"/>
+                <a:cs typeface="Courier New" charset="0"/>
+              </a:rPr>
+              <a:t> </a:t>
+            </a:r>
+            <a:r>
+              <a:rPr lang="en-US" b="1" dirty="0" err="1">
+                <a:solidFill>
+                  <a:srgbClr val="2FB41D"/>
+                </a:solidFill>
+                <a:latin typeface="Courier New" charset="0"/>
+                <a:ea typeface="Courier New" charset="0"/>
+                <a:cs typeface="Courier New" charset="0"/>
+              </a:rPr>
+              <a:t>href</a:t>
+            </a:r>
+            <a:r>
+              <a:rPr lang="en-US" b="1" dirty="0">
+                <a:solidFill>
+                  <a:srgbClr val="2EAEBB"/>
+                </a:solidFill>
+                <a:latin typeface="Courier New" charset="0"/>
+                <a:ea typeface="Courier New" charset="0"/>
+                <a:cs typeface="Courier New" charset="0"/>
+              </a:rPr>
+              <a:t>=</a:t>
+            </a:r>
+            <a:r>
+              <a:rPr lang="en-US" b="1" dirty="0">
+                <a:solidFill>
+                  <a:srgbClr val="B42419"/>
+                </a:solidFill>
+                <a:latin typeface="Courier New" charset="0"/>
+                <a:ea typeface="Courier New" charset="0"/>
+                <a:cs typeface="Courier New" charset="0"/>
+              </a:rPr>
+              <a:t>"funky"</a:t>
+            </a:r>
+            <a:r>
+              <a:rPr lang="en-US" b="1" dirty="0">
+                <a:solidFill>
+                  <a:srgbClr val="2EAEBB"/>
+                </a:solidFill>
+                <a:latin typeface="Courier New" charset="0"/>
+                <a:ea typeface="Courier New" charset="0"/>
+                <a:cs typeface="Courier New" charset="0"/>
+              </a:rPr>
+              <a:t>&gt;</a:t>
+            </a:r>
+            <a:r>
+              <a:rPr lang="en-US" b="1" u="sng" dirty="0">
+                <a:solidFill>
+                  <a:srgbClr val="C814C9"/>
+                </a:solidFill>
+                <a:latin typeface="Courier New" charset="0"/>
+                <a:ea typeface="Courier New" charset="0"/>
+                <a:cs typeface="Courier New" charset="0"/>
+              </a:rPr>
+              <a:t>Use a view function</a:t>
+            </a:r>
+            <a:r>
+              <a:rPr lang="en-US" b="1" u="sng" dirty="0">
+                <a:solidFill>
+                  <a:srgbClr val="2EAEBB"/>
+                </a:solidFill>
+                <a:latin typeface="Courier New" charset="0"/>
+                <a:ea typeface="Courier New" charset="0"/>
+                <a:cs typeface="Courier New" charset="0"/>
+              </a:rPr>
+              <a:t>&lt;/</a:t>
+            </a:r>
+            <a:r>
+              <a:rPr lang="en-US" b="1" u="sng" dirty="0">
+                <a:solidFill>
+                  <a:srgbClr val="C1651C"/>
+                </a:solidFill>
+                <a:latin typeface="Courier New" charset="0"/>
+                <a:ea typeface="Courier New" charset="0"/>
+                <a:cs typeface="Courier New" charset="0"/>
+              </a:rPr>
+              <a:t>a</a:t>
+            </a:r>
+            <a:r>
+              <a:rPr lang="en-US" b="1" u="sng" dirty="0">
+                <a:solidFill>
+                  <a:srgbClr val="2EAEBB"/>
+                </a:solidFill>
+                <a:latin typeface="Courier New" charset="0"/>
+                <a:ea typeface="Courier New" charset="0"/>
+                <a:cs typeface="Courier New" charset="0"/>
+              </a:rPr>
+              <a:t>&gt;&lt;/</a:t>
+            </a:r>
+            <a:r>
+              <a:rPr lang="en-US" b="1" u="sng" dirty="0">
+                <a:solidFill>
+                  <a:srgbClr val="C1651C"/>
+                </a:solidFill>
+                <a:latin typeface="Courier New" charset="0"/>
+                <a:ea typeface="Courier New" charset="0"/>
+                <a:cs typeface="Courier New" charset="0"/>
+              </a:rPr>
+              <a:t>li</a:t>
+            </a:r>
+            <a:r>
+              <a:rPr lang="en-US" b="1" u="sng" dirty="0">
+                <a:solidFill>
+                  <a:srgbClr val="2EAEBB"/>
+                </a:solidFill>
+                <a:latin typeface="Courier New" charset="0"/>
+                <a:ea typeface="Courier New" charset="0"/>
+                <a:cs typeface="Courier New" charset="0"/>
+              </a:rPr>
+              <a:t>&gt;</a:t>
+            </a:r>
+          </a:p>
+          <a:p>
+            <a:r>
+              <a:rPr lang="en-US" b="1" u="sng" dirty="0">
+                <a:solidFill>
+                  <a:srgbClr val="000000"/>
+                </a:solidFill>
+                <a:latin typeface="Courier New" charset="0"/>
+                <a:ea typeface="Courier New" charset="0"/>
+                <a:cs typeface="Courier New" charset="0"/>
+              </a:rPr>
+              <a:t>...</a:t>
+            </a:r>
+          </a:p>
+          <a:p>
+            <a:r>
+              <a:rPr lang="mr-IN" b="1" dirty="0">
+                <a:solidFill>
+                  <a:srgbClr val="2EAEBB"/>
+                </a:solidFill>
+                <a:latin typeface="Courier New" charset="0"/>
+                <a:ea typeface="Courier New" charset="0"/>
+                <a:cs typeface="Courier New" charset="0"/>
+              </a:rPr>
+              <a:t>&lt;/</a:t>
+            </a:r>
+            <a:r>
+              <a:rPr lang="mr-IN" b="1" dirty="0" err="1">
+                <a:solidFill>
+                  <a:srgbClr val="C1651C"/>
+                </a:solidFill>
+                <a:latin typeface="Courier New" charset="0"/>
+                <a:ea typeface="Courier New" charset="0"/>
+                <a:cs typeface="Courier New" charset="0"/>
+              </a:rPr>
+              <a:t>ul</a:t>
+            </a:r>
+            <a:r>
+              <a:rPr lang="mr-IN" b="1" dirty="0">
+                <a:solidFill>
+                  <a:srgbClr val="2EAEBB"/>
+                </a:solidFill>
+                <a:latin typeface="Courier New" charset="0"/>
+                <a:ea typeface="Courier New" charset="0"/>
+                <a:cs typeface="Courier New" charset="0"/>
+              </a:rPr>
+              <a:t>&gt;</a:t>
+            </a:r>
+            <a:endParaRPr lang="mr-IN" b="1" dirty="0">
+              <a:solidFill>
+                <a:srgbClr val="000000"/>
+              </a:solidFill>
+              <a:latin typeface="Courier New" charset="0"/>
+              <a:ea typeface="Courier New" charset="0"/>
+              <a:cs typeface="Courier New" charset="0"/>
+            </a:endParaRPr>
+          </a:p>
+          <a:p>
+            <a:r>
+              <a:rPr lang="mr-IN" b="1" dirty="0">
+                <a:solidFill>
+                  <a:srgbClr val="2EAEBB"/>
+                </a:solidFill>
+                <a:latin typeface="Courier New" charset="0"/>
+                <a:ea typeface="Courier New" charset="0"/>
+                <a:cs typeface="Courier New" charset="0"/>
+              </a:rPr>
+              <a:t>&lt;/</a:t>
+            </a:r>
+            <a:r>
+              <a:rPr lang="mr-IN" b="1" dirty="0" err="1">
+                <a:solidFill>
+                  <a:srgbClr val="C1651C"/>
+                </a:solidFill>
+                <a:latin typeface="Courier New" charset="0"/>
+                <a:ea typeface="Courier New" charset="0"/>
+                <a:cs typeface="Courier New" charset="0"/>
+              </a:rPr>
+              <a:t>p</a:t>
+            </a:r>
+            <a:r>
+              <a:rPr lang="mr-IN" b="1" dirty="0">
+                <a:solidFill>
+                  <a:srgbClr val="2EAEBB"/>
+                </a:solidFill>
+                <a:latin typeface="Courier New" charset="0"/>
+                <a:ea typeface="Courier New" charset="0"/>
+                <a:cs typeface="Courier New" charset="0"/>
+              </a:rPr>
+              <a:t>&gt;</a:t>
+            </a:r>
+            <a:endParaRPr lang="mr-IN" b="1" dirty="0">
+              <a:solidFill>
+                <a:srgbClr val="000000"/>
+              </a:solidFill>
+              <a:latin typeface="Courier New" charset="0"/>
+              <a:ea typeface="Courier New" charset="0"/>
+              <a:cs typeface="Courier New" charset="0"/>
+            </a:endParaRPr>
+          </a:p>
+          <a:p>
+            <a:r>
+              <a:rPr lang="en-US" b="1" dirty="0">
+                <a:solidFill>
+                  <a:srgbClr val="2EAEBB"/>
+                </a:solidFill>
+                <a:latin typeface="Courier New" charset="0"/>
+                <a:ea typeface="Courier New" charset="0"/>
+                <a:cs typeface="Courier New" charset="0"/>
+              </a:rPr>
+              <a:t>&lt;</a:t>
+            </a:r>
+            <a:r>
+              <a:rPr lang="en-US" b="1" dirty="0">
+                <a:solidFill>
+                  <a:srgbClr val="C1651C"/>
+                </a:solidFill>
+                <a:latin typeface="Courier New" charset="0"/>
+                <a:ea typeface="Courier New" charset="0"/>
+                <a:cs typeface="Courier New" charset="0"/>
+              </a:rPr>
+              <a:t>p</a:t>
+            </a:r>
+            <a:r>
+              <a:rPr lang="en-US" b="1" dirty="0">
+                <a:solidFill>
+                  <a:srgbClr val="2EAEBB"/>
+                </a:solidFill>
+                <a:latin typeface="Courier New" charset="0"/>
+                <a:ea typeface="Courier New" charset="0"/>
+                <a:cs typeface="Courier New" charset="0"/>
+              </a:rPr>
+              <a:t>&gt;</a:t>
+            </a:r>
+            <a:r>
+              <a:rPr lang="en-US" b="1" dirty="0">
+                <a:solidFill>
+                  <a:srgbClr val="000000"/>
+                </a:solidFill>
+                <a:latin typeface="Courier New" charset="0"/>
+                <a:ea typeface="Courier New" charset="0"/>
+                <a:cs typeface="Courier New" charset="0"/>
+              </a:rPr>
+              <a:t>This sample code is available at</a:t>
+            </a:r>
+          </a:p>
+          <a:p>
+            <a:r>
+              <a:rPr lang="en-US" b="1" dirty="0">
+                <a:solidFill>
+                  <a:srgbClr val="2EAEBB"/>
+                </a:solidFill>
+                <a:latin typeface="Courier New" charset="0"/>
+                <a:ea typeface="Courier New" charset="0"/>
+                <a:cs typeface="Courier New" charset="0"/>
+              </a:rPr>
+              <a:t>&lt;</a:t>
+            </a:r>
+            <a:r>
+              <a:rPr lang="en-US" b="1" dirty="0">
+                <a:solidFill>
+                  <a:srgbClr val="C1651C"/>
+                </a:solidFill>
+                <a:latin typeface="Courier New" charset="0"/>
+                <a:ea typeface="Courier New" charset="0"/>
+                <a:cs typeface="Courier New" charset="0"/>
+              </a:rPr>
+              <a:t>a</a:t>
+            </a:r>
+            <a:r>
+              <a:rPr lang="en-US" b="1" dirty="0">
+                <a:solidFill>
+                  <a:srgbClr val="2EAEBB"/>
+                </a:solidFill>
+                <a:latin typeface="Courier New" charset="0"/>
+                <a:ea typeface="Courier New" charset="0"/>
+                <a:cs typeface="Courier New" charset="0"/>
+              </a:rPr>
+              <a:t> </a:t>
+            </a:r>
+            <a:r>
+              <a:rPr lang="en-US" b="1" dirty="0" err="1">
+                <a:solidFill>
+                  <a:srgbClr val="2FB41D"/>
+                </a:solidFill>
+                <a:latin typeface="Courier New" charset="0"/>
+                <a:ea typeface="Courier New" charset="0"/>
+                <a:cs typeface="Courier New" charset="0"/>
+              </a:rPr>
+              <a:t>href</a:t>
+            </a:r>
+            <a:r>
+              <a:rPr lang="en-US" b="1" dirty="0">
+                <a:solidFill>
+                  <a:srgbClr val="2EAEBB"/>
+                </a:solidFill>
+                <a:latin typeface="Courier New" charset="0"/>
+                <a:ea typeface="Courier New" charset="0"/>
+                <a:cs typeface="Courier New" charset="0"/>
+              </a:rPr>
+              <a:t>=</a:t>
+            </a:r>
+            <a:r>
+              <a:rPr lang="en-US" b="1" dirty="0">
+                <a:solidFill>
+                  <a:srgbClr val="B42419"/>
+                </a:solidFill>
+                <a:latin typeface="Courier New" charset="0"/>
+                <a:ea typeface="Courier New" charset="0"/>
+                <a:cs typeface="Courier New" charset="0"/>
+              </a:rPr>
+              <a:t>"https://</a:t>
+            </a:r>
+            <a:r>
+              <a:rPr lang="en-US" b="1" dirty="0" err="1">
+                <a:solidFill>
+                  <a:srgbClr val="B42419"/>
+                </a:solidFill>
+                <a:latin typeface="Courier New" charset="0"/>
+                <a:ea typeface="Courier New" charset="0"/>
+                <a:cs typeface="Courier New" charset="0"/>
+              </a:rPr>
+              <a:t>github.com</a:t>
+            </a:r>
+            <a:r>
+              <a:rPr lang="en-US" b="1" dirty="0">
+                <a:solidFill>
+                  <a:srgbClr val="B42419"/>
+                </a:solidFill>
+                <a:latin typeface="Courier New" charset="0"/>
+                <a:ea typeface="Courier New" charset="0"/>
+                <a:cs typeface="Courier New" charset="0"/>
+              </a:rPr>
+              <a:t>/csev/dj4e-samples"</a:t>
+            </a:r>
+            <a:r>
+              <a:rPr lang="en-US" b="1" dirty="0">
+                <a:solidFill>
+                  <a:srgbClr val="2EAEBB"/>
+                </a:solidFill>
+                <a:latin typeface="Courier New" charset="0"/>
+                <a:ea typeface="Courier New" charset="0"/>
+                <a:cs typeface="Courier New" charset="0"/>
+              </a:rPr>
+              <a:t> </a:t>
+            </a:r>
+            <a:r>
+              <a:rPr lang="en-US" b="1" dirty="0">
+                <a:solidFill>
+                  <a:srgbClr val="2FB41D"/>
+                </a:solidFill>
+                <a:latin typeface="Courier New" charset="0"/>
+                <a:ea typeface="Courier New" charset="0"/>
+                <a:cs typeface="Courier New" charset="0"/>
+              </a:rPr>
+              <a:t>target</a:t>
+            </a:r>
+            <a:r>
+              <a:rPr lang="en-US" b="1" dirty="0">
+                <a:solidFill>
+                  <a:srgbClr val="2EAEBB"/>
+                </a:solidFill>
+                <a:latin typeface="Courier New" charset="0"/>
+                <a:ea typeface="Courier New" charset="0"/>
+                <a:cs typeface="Courier New" charset="0"/>
+              </a:rPr>
+              <a:t>=</a:t>
+            </a:r>
+            <a:r>
+              <a:rPr lang="en-US" b="1" dirty="0">
+                <a:solidFill>
+                  <a:srgbClr val="B42419"/>
+                </a:solidFill>
+                <a:latin typeface="Courier New" charset="0"/>
+                <a:ea typeface="Courier New" charset="0"/>
+                <a:cs typeface="Courier New" charset="0"/>
+              </a:rPr>
+              <a:t>"_blank"</a:t>
+            </a:r>
+            <a:r>
+              <a:rPr lang="en-US" b="1" dirty="0">
+                <a:solidFill>
+                  <a:srgbClr val="2EAEBB"/>
+                </a:solidFill>
+                <a:latin typeface="Courier New" charset="0"/>
+                <a:ea typeface="Courier New" charset="0"/>
+                <a:cs typeface="Courier New" charset="0"/>
+              </a:rPr>
+              <a:t>&gt;</a:t>
+            </a:r>
             <a:endParaRPr lang="en-US" b="1" dirty="0">
               <a:solidFill>
                 <a:srgbClr val="000000"/>
@@ -18087,17 +18398,72 @@
           </a:p>
           <a:p>
             <a:r>
-              <a:rPr lang="en-US" b="1" dirty="0">
-                <a:solidFill>
-                  <a:srgbClr val="400BD9"/>
-                </a:solidFill>
-                <a:latin typeface="Courier New" charset="0"/>
-                <a:ea typeface="Courier New" charset="0"/>
-                <a:cs typeface="Courier New" charset="0"/>
-              </a:rPr>
-              <a:t># Create your views here.</a:t>
-            </a:r>
-            <a:endParaRPr lang="en-US" b="1" dirty="0">
+              <a:rPr lang="en-US" b="1" u="sng" dirty="0">
+                <a:solidFill>
+                  <a:srgbClr val="C814C9"/>
+                </a:solidFill>
+                <a:latin typeface="Courier New" charset="0"/>
+                <a:ea typeface="Courier New" charset="0"/>
+                <a:cs typeface="Courier New" charset="0"/>
+              </a:rPr>
+              <a:t>https://</a:t>
+            </a:r>
+            <a:r>
+              <a:rPr lang="en-US" b="1" u="sng" dirty="0" err="1">
+                <a:solidFill>
+                  <a:srgbClr val="C814C9"/>
+                </a:solidFill>
+                <a:latin typeface="Courier New" charset="0"/>
+                <a:ea typeface="Courier New" charset="0"/>
+                <a:cs typeface="Courier New" charset="0"/>
+              </a:rPr>
+              <a:t>github.com</a:t>
+            </a:r>
+            <a:r>
+              <a:rPr lang="en-US" b="1" u="sng" dirty="0">
+                <a:solidFill>
+                  <a:srgbClr val="C814C9"/>
+                </a:solidFill>
+                <a:latin typeface="Courier New" charset="0"/>
+                <a:ea typeface="Courier New" charset="0"/>
+                <a:cs typeface="Courier New" charset="0"/>
+              </a:rPr>
+              <a:t>/csev/dj4e-samples</a:t>
+            </a:r>
+            <a:r>
+              <a:rPr lang="en-US" b="1" u="sng" dirty="0">
+                <a:solidFill>
+                  <a:srgbClr val="2EAEBB"/>
+                </a:solidFill>
+                <a:latin typeface="Courier New" charset="0"/>
+                <a:ea typeface="Courier New" charset="0"/>
+                <a:cs typeface="Courier New" charset="0"/>
+              </a:rPr>
+              <a:t>&lt;/</a:t>
+            </a:r>
+            <a:r>
+              <a:rPr lang="en-US" b="1" u="sng" dirty="0">
+                <a:solidFill>
+                  <a:srgbClr val="C1651C"/>
+                </a:solidFill>
+                <a:latin typeface="Courier New" charset="0"/>
+                <a:ea typeface="Courier New" charset="0"/>
+                <a:cs typeface="Courier New" charset="0"/>
+              </a:rPr>
+              <a:t>a</a:t>
+            </a:r>
+            <a:r>
+              <a:rPr lang="en-US" b="1" u="sng" dirty="0">
+                <a:solidFill>
+                  <a:srgbClr val="2EAEBB"/>
+                </a:solidFill>
+                <a:latin typeface="Courier New" charset="0"/>
+                <a:ea typeface="Courier New" charset="0"/>
+                <a:cs typeface="Courier New" charset="0"/>
+              </a:rPr>
+              <a:t>&gt;</a:t>
+            </a:r>
+            <a:endParaRPr lang="en-US" b="1" u="sng" dirty="0">
               <a:solidFill>
                 <a:srgbClr val="000000"/>
               </a:solidFill>
@@ -18107,7 +18473,40 @@
             </a:endParaRPr>
           </a:p>
           <a:p>
-            <a:endParaRPr lang="en-US" b="1" dirty="0">
+            <a:r>
+              <a:rPr lang="mr-IN" b="1" u="sng" dirty="0">
+                <a:solidFill>
+                  <a:srgbClr val="2EAEBB"/>
+                </a:solidFill>
+                <a:latin typeface="Courier New" charset="0"/>
+                <a:ea typeface="Courier New" charset="0"/>
+                <a:cs typeface="Courier New" charset="0"/>
+              </a:rPr>
+              <a:t>&lt;/</a:t>
+            </a:r>
+            <a:r>
+              <a:rPr lang="mr-IN" b="1" u="sng" dirty="0" err="1">
+                <a:solidFill>
+                  <a:srgbClr val="C1651C"/>
+                </a:solidFill>
+                <a:latin typeface="Courier New" charset="0"/>
+                <a:ea typeface="Courier New" charset="0"/>
+                <a:cs typeface="Courier New" charset="0"/>
+              </a:rPr>
+              <a:t>p</a:t>
+            </a:r>
+            <a:r>
+              <a:rPr lang="mr-IN" b="1" u="sng" dirty="0">
+                <a:solidFill>
+                  <a:srgbClr val="2EAEBB"/>
+                </a:solidFill>
+                <a:latin typeface="Courier New" charset="0"/>
+                <a:ea typeface="Courier New" charset="0"/>
+                <a:cs typeface="Courier New" charset="0"/>
+              </a:rPr>
+              <a:t>&gt;</a:t>
+            </a:r>
+            <a:endParaRPr lang="mr-IN" b="1" u="sng" dirty="0">
               <a:solidFill>
                 <a:srgbClr val="000000"/>
               </a:solidFill>
@@ -18118,7 +18517,18 @@
           </a:p>
           <a:p>
             <a:r>
-              <a:rPr lang="en-US" b="1" dirty="0" err="1">
+              <a:rPr lang="en-US" b="1" u="sng" dirty="0">
+                <a:solidFill>
+                  <a:srgbClr val="2EAEBB"/>
+                </a:solidFill>
+                <a:latin typeface="Courier New" charset="0"/>
+                <a:ea typeface="Courier New" charset="0"/>
+                <a:cs typeface="Courier New" charset="0"/>
+              </a:rPr>
+              <a:t>&lt;/</a:t>
+            </a:r>
+            <a:r>
+              <a:rPr lang="en-US" b="1" u="sng" dirty="0">
                 <a:solidFill>
                   <a:srgbClr val="C1651C"/>
                 </a:solidFill>
@@ -18126,21 +18536,10 @@
                 <a:ea typeface="Courier New" charset="0"/>
                 <a:cs typeface="Courier New" charset="0"/>
               </a:rPr>
-              <a:t>def</a:t>
-            </a:r>
-            <a:r>
-              <a:rPr lang="en-US" b="1" dirty="0">
-                <a:solidFill>
-                  <a:srgbClr val="000000"/>
-                </a:solidFill>
-                <a:latin typeface="Courier New" charset="0"/>
-                <a:ea typeface="Courier New" charset="0"/>
-                <a:cs typeface="Courier New" charset="0"/>
-              </a:rPr>
-              <a:t> </a:t>
-            </a:r>
-            <a:r>
-              <a:rPr lang="en-US" b="1" dirty="0">
+              <a:t>body</a:t>
+            </a:r>
+            <a:r>
+              <a:rPr lang="en-US" b="1" u="sng" dirty="0">
                 <a:solidFill>
                   <a:srgbClr val="2EAEBB"/>
                 </a:solidFill>
@@ -18148,44 +18547,31 @@
                 <a:ea typeface="Courier New" charset="0"/>
                 <a:cs typeface="Courier New" charset="0"/>
               </a:rPr>
-              <a:t>funky</a:t>
-            </a:r>
-            <a:r>
-              <a:rPr lang="en-US" b="1" dirty="0">
-                <a:solidFill>
-                  <a:srgbClr val="000000"/>
-                </a:solidFill>
-                <a:latin typeface="Courier New" charset="0"/>
-                <a:ea typeface="Courier New" charset="0"/>
-                <a:cs typeface="Courier New" charset="0"/>
-              </a:rPr>
-              <a:t>(request):</a:t>
-            </a:r>
-          </a:p>
-          <a:p>
-            <a:r>
-              <a:rPr lang="en-US" b="1" dirty="0">
-                <a:solidFill>
-                  <a:srgbClr val="000000"/>
-                </a:solidFill>
-                <a:latin typeface="Courier New" charset="0"/>
-                <a:ea typeface="Courier New" charset="0"/>
-                <a:cs typeface="Courier New" charset="0"/>
-              </a:rPr>
-              <a:t>    response = </a:t>
-            </a:r>
-            <a:r>
-              <a:rPr lang="en-US" b="1" dirty="0">
-                <a:solidFill>
-                  <a:srgbClr val="B42419"/>
-                </a:solidFill>
-                <a:latin typeface="Courier New" charset="0"/>
-                <a:ea typeface="Courier New" charset="0"/>
-                <a:cs typeface="Courier New" charset="0"/>
-              </a:rPr>
-              <a:t>"""&lt;html&gt;&lt;body&gt;&lt;p&gt;This is the funky function sample&lt;/p&gt;</a:t>
-            </a:r>
-            <a:endParaRPr lang="en-US" b="1" dirty="0">
+              <a:t>&gt;&lt;/</a:t>
+            </a:r>
+            <a:r>
+              <a:rPr lang="en-US" b="1" u="sng" dirty="0">
+                <a:solidFill>
+                  <a:srgbClr val="C1651C"/>
+                </a:solidFill>
+                <a:latin typeface="Courier New" charset="0"/>
+                <a:ea typeface="Courier New" charset="0"/>
+                <a:cs typeface="Courier New" charset="0"/>
+              </a:rPr>
+              <a:t>html</a:t>
+            </a:r>
+            <a:r>
+              <a:rPr lang="en-US" b="1" u="sng" dirty="0">
+                <a:solidFill>
+                  <a:srgbClr val="2EAEBB"/>
+                </a:solidFill>
+                <a:latin typeface="Courier New" charset="0"/>
+                <a:ea typeface="Courier New" charset="0"/>
+                <a:cs typeface="Courier New" charset="0"/>
+              </a:rPr>
+              <a:t>&gt;</a:t>
+            </a:r>
+            <a:endParaRPr lang="en-US" b="1" u="sng" dirty="0">
               <a:solidFill>
                 <a:srgbClr val="000000"/>
               </a:solidFill>
@@ -18194,348 +18580,18 @@
               <a:cs typeface="Courier New" charset="0"/>
             </a:endParaRPr>
           </a:p>
-          <a:p>
-            <a:r>
-              <a:rPr lang="en-US" b="1" dirty="0">
-                <a:solidFill>
-                  <a:srgbClr val="B42419"/>
-                </a:solidFill>
-                <a:latin typeface="Courier New" charset="0"/>
-                <a:ea typeface="Courier New" charset="0"/>
-                <a:cs typeface="Courier New" charset="0"/>
-              </a:rPr>
-              <a:t>    &lt;p&gt;This sample code is available at</a:t>
-            </a:r>
-            <a:endParaRPr lang="en-US" b="1" dirty="0">
-              <a:solidFill>
-                <a:srgbClr val="000000"/>
-              </a:solidFill>
-              <a:latin typeface="Courier New" charset="0"/>
-              <a:ea typeface="Courier New" charset="0"/>
-              <a:cs typeface="Courier New" charset="0"/>
-            </a:endParaRPr>
-          </a:p>
-          <a:p>
-            <a:r>
-              <a:rPr lang="en-US" b="1" dirty="0">
-                <a:solidFill>
-                  <a:srgbClr val="B42419"/>
-                </a:solidFill>
-                <a:latin typeface="Courier New" charset="0"/>
-                <a:ea typeface="Courier New" charset="0"/>
-                <a:cs typeface="Courier New" charset="0"/>
-              </a:rPr>
-              <a:t>    &lt;a </a:t>
-            </a:r>
-            <a:r>
-              <a:rPr lang="en-US" b="1" dirty="0" err="1">
-                <a:solidFill>
-                  <a:srgbClr val="B42419"/>
-                </a:solidFill>
-                <a:latin typeface="Courier New" charset="0"/>
-                <a:ea typeface="Courier New" charset="0"/>
-                <a:cs typeface="Courier New" charset="0"/>
-              </a:rPr>
-              <a:t>href</a:t>
-            </a:r>
-            <a:r>
-              <a:rPr lang="en-US" b="1" dirty="0">
-                <a:solidFill>
-                  <a:srgbClr val="B42419"/>
-                </a:solidFill>
-                <a:latin typeface="Courier New" charset="0"/>
-                <a:ea typeface="Courier New" charset="0"/>
-                <a:cs typeface="Courier New" charset="0"/>
-              </a:rPr>
-              <a:t>="https://</a:t>
-            </a:r>
-            <a:r>
-              <a:rPr lang="en-US" b="1" dirty="0" err="1">
-                <a:solidFill>
-                  <a:srgbClr val="B42419"/>
-                </a:solidFill>
-                <a:latin typeface="Courier New" charset="0"/>
-                <a:ea typeface="Courier New" charset="0"/>
-                <a:cs typeface="Courier New" charset="0"/>
-              </a:rPr>
-              <a:t>github.com</a:t>
-            </a:r>
-            <a:r>
-              <a:rPr lang="en-US" b="1" dirty="0">
-                <a:solidFill>
-                  <a:srgbClr val="B42419"/>
-                </a:solidFill>
-                <a:latin typeface="Courier New" charset="0"/>
-                <a:ea typeface="Courier New" charset="0"/>
-                <a:cs typeface="Courier New" charset="0"/>
-              </a:rPr>
-              <a:t>/csev/dj4e-samples"&gt;</a:t>
-            </a:r>
-            <a:endParaRPr lang="en-US" b="1" dirty="0">
-              <a:solidFill>
-                <a:srgbClr val="000000"/>
-              </a:solidFill>
-              <a:latin typeface="Courier New" charset="0"/>
-              <a:ea typeface="Courier New" charset="0"/>
-              <a:cs typeface="Courier New" charset="0"/>
-            </a:endParaRPr>
-          </a:p>
-          <a:p>
-            <a:r>
-              <a:rPr lang="en-US" b="1" dirty="0">
-                <a:solidFill>
-                  <a:srgbClr val="B42419"/>
-                </a:solidFill>
-                <a:latin typeface="Courier New" charset="0"/>
-                <a:ea typeface="Courier New" charset="0"/>
-                <a:cs typeface="Courier New" charset="0"/>
-              </a:rPr>
-              <a:t>    https://</a:t>
-            </a:r>
-            <a:r>
-              <a:rPr lang="en-US" b="1" dirty="0" err="1">
-                <a:solidFill>
-                  <a:srgbClr val="B42419"/>
-                </a:solidFill>
-                <a:latin typeface="Courier New" charset="0"/>
-                <a:ea typeface="Courier New" charset="0"/>
-                <a:cs typeface="Courier New" charset="0"/>
-              </a:rPr>
-              <a:t>github.com</a:t>
-            </a:r>
-            <a:r>
-              <a:rPr lang="en-US" b="1" dirty="0">
-                <a:solidFill>
-                  <a:srgbClr val="B42419"/>
-                </a:solidFill>
-                <a:latin typeface="Courier New" charset="0"/>
-                <a:ea typeface="Courier New" charset="0"/>
-                <a:cs typeface="Courier New" charset="0"/>
-              </a:rPr>
-              <a:t>/csev/dj4e-samples&lt;/a&gt;&lt;/p&gt;</a:t>
-            </a:r>
-            <a:endParaRPr lang="en-US" b="1" dirty="0">
-              <a:solidFill>
-                <a:srgbClr val="000000"/>
-              </a:solidFill>
-              <a:latin typeface="Courier New" charset="0"/>
-              <a:ea typeface="Courier New" charset="0"/>
-              <a:cs typeface="Courier New" charset="0"/>
-            </a:endParaRPr>
-          </a:p>
-          <a:p>
-            <a:r>
-              <a:rPr lang="mr-IN" b="1" dirty="0">
-                <a:solidFill>
-                  <a:srgbClr val="B42419"/>
-                </a:solidFill>
-                <a:latin typeface="Courier New" charset="0"/>
-                <a:ea typeface="Courier New" charset="0"/>
-                <a:cs typeface="Courier New" charset="0"/>
-              </a:rPr>
-              <a:t>    &lt;/</a:t>
-            </a:r>
-            <a:r>
-              <a:rPr lang="mr-IN" b="1" dirty="0" err="1">
-                <a:solidFill>
-                  <a:srgbClr val="B42419"/>
-                </a:solidFill>
-                <a:latin typeface="Courier New" charset="0"/>
-                <a:ea typeface="Courier New" charset="0"/>
-                <a:cs typeface="Courier New" charset="0"/>
-              </a:rPr>
-              <a:t>body</a:t>
-            </a:r>
-            <a:r>
-              <a:rPr lang="mr-IN" b="1" dirty="0">
-                <a:solidFill>
-                  <a:srgbClr val="B42419"/>
-                </a:solidFill>
-                <a:latin typeface="Courier New" charset="0"/>
-                <a:ea typeface="Courier New" charset="0"/>
-                <a:cs typeface="Courier New" charset="0"/>
-              </a:rPr>
-              <a:t>&gt;&lt;/</a:t>
-            </a:r>
-            <a:r>
-              <a:rPr lang="mr-IN" b="1" dirty="0" err="1">
-                <a:solidFill>
-                  <a:srgbClr val="B42419"/>
-                </a:solidFill>
-                <a:latin typeface="Courier New" charset="0"/>
-                <a:ea typeface="Courier New" charset="0"/>
-                <a:cs typeface="Courier New" charset="0"/>
-              </a:rPr>
-              <a:t>html</a:t>
-            </a:r>
-            <a:r>
-              <a:rPr lang="mr-IN" b="1" dirty="0">
-                <a:solidFill>
-                  <a:srgbClr val="B42419"/>
-                </a:solidFill>
-                <a:latin typeface="Courier New" charset="0"/>
-                <a:ea typeface="Courier New" charset="0"/>
-                <a:cs typeface="Courier New" charset="0"/>
-              </a:rPr>
-              <a:t>&gt;"""</a:t>
-            </a:r>
-            <a:endParaRPr lang="mr-IN" b="1" dirty="0">
-              <a:solidFill>
-                <a:srgbClr val="000000"/>
-              </a:solidFill>
-              <a:latin typeface="Courier New" charset="0"/>
-              <a:ea typeface="Courier New" charset="0"/>
-              <a:cs typeface="Courier New" charset="0"/>
-            </a:endParaRPr>
-          </a:p>
-          <a:p>
-            <a:r>
-              <a:rPr lang="en-US" b="1" dirty="0">
-                <a:solidFill>
-                  <a:srgbClr val="000000"/>
-                </a:solidFill>
-                <a:latin typeface="Courier New" charset="0"/>
-                <a:ea typeface="Courier New" charset="0"/>
-                <a:cs typeface="Courier New" charset="0"/>
-              </a:rPr>
-              <a:t>    </a:t>
-            </a:r>
-            <a:r>
-              <a:rPr lang="en-US" b="1" dirty="0">
-                <a:solidFill>
-                  <a:srgbClr val="C1651C"/>
-                </a:solidFill>
-                <a:latin typeface="Courier New" charset="0"/>
-                <a:ea typeface="Courier New" charset="0"/>
-                <a:cs typeface="Courier New" charset="0"/>
-              </a:rPr>
-              <a:t>return</a:t>
-            </a:r>
-            <a:r>
-              <a:rPr lang="en-US" b="1" dirty="0">
-                <a:solidFill>
-                  <a:srgbClr val="000000"/>
-                </a:solidFill>
-                <a:latin typeface="Courier New" charset="0"/>
-                <a:ea typeface="Courier New" charset="0"/>
-                <a:cs typeface="Courier New" charset="0"/>
-              </a:rPr>
-              <a:t> </a:t>
-            </a:r>
-            <a:r>
-              <a:rPr lang="en-US" b="1" dirty="0" err="1">
-                <a:solidFill>
-                  <a:srgbClr val="000000"/>
-                </a:solidFill>
-                <a:latin typeface="Courier New" charset="0"/>
-                <a:ea typeface="Courier New" charset="0"/>
-                <a:cs typeface="Courier New" charset="0"/>
-              </a:rPr>
-              <a:t>HttpResponse</a:t>
-            </a:r>
-            <a:r>
-              <a:rPr lang="en-US" b="1" dirty="0">
-                <a:solidFill>
-                  <a:srgbClr val="000000"/>
-                </a:solidFill>
-                <a:latin typeface="Courier New" charset="0"/>
-                <a:ea typeface="Courier New" charset="0"/>
-                <a:cs typeface="Courier New" charset="0"/>
-              </a:rPr>
-              <a:t>(response)</a:t>
-            </a:r>
-          </a:p>
-          <a:p>
-            <a:endParaRPr lang="en-US" b="1" dirty="0">
-              <a:solidFill>
-                <a:srgbClr val="000000"/>
-              </a:solidFill>
-              <a:latin typeface="Courier New" charset="0"/>
-              <a:ea typeface="Courier New" charset="0"/>
-              <a:cs typeface="Courier New" charset="0"/>
-            </a:endParaRPr>
-          </a:p>
-          <a:p>
-            <a:r>
-              <a:rPr lang="en-US" b="1" dirty="0" err="1">
-                <a:solidFill>
-                  <a:srgbClr val="C1651C"/>
-                </a:solidFill>
-                <a:latin typeface="Courier New" charset="0"/>
-                <a:ea typeface="Courier New" charset="0"/>
-                <a:cs typeface="Courier New" charset="0"/>
-              </a:rPr>
-              <a:t>def</a:t>
-            </a:r>
-            <a:r>
-              <a:rPr lang="en-US" b="1" dirty="0">
-                <a:solidFill>
-                  <a:srgbClr val="000000"/>
-                </a:solidFill>
-                <a:latin typeface="Courier New" charset="0"/>
-                <a:ea typeface="Courier New" charset="0"/>
-                <a:cs typeface="Courier New" charset="0"/>
-              </a:rPr>
-              <a:t> </a:t>
-            </a:r>
-            <a:r>
-              <a:rPr lang="en-US" b="1" dirty="0">
-                <a:solidFill>
-                  <a:srgbClr val="2EAEBB"/>
-                </a:solidFill>
-                <a:latin typeface="Courier New" charset="0"/>
-                <a:ea typeface="Courier New" charset="0"/>
-                <a:cs typeface="Courier New" charset="0"/>
-              </a:rPr>
-              <a:t>danger</a:t>
-            </a:r>
-            <a:r>
-              <a:rPr lang="en-US" b="1" dirty="0">
-                <a:solidFill>
-                  <a:srgbClr val="000000"/>
-                </a:solidFill>
-                <a:latin typeface="Courier New" charset="0"/>
-                <a:ea typeface="Courier New" charset="0"/>
-                <a:cs typeface="Courier New" charset="0"/>
-              </a:rPr>
-              <a:t>(request) :</a:t>
-            </a:r>
-          </a:p>
-          <a:p>
-            <a:endParaRPr lang="en-US" b="1" dirty="0">
-              <a:solidFill>
-                <a:srgbClr val="000000"/>
-              </a:solidFill>
-              <a:latin typeface="Courier New" charset="0"/>
-              <a:ea typeface="Courier New" charset="0"/>
-              <a:cs typeface="Courier New" charset="0"/>
-            </a:endParaRPr>
-          </a:p>
-          <a:p>
-            <a:r>
-              <a:rPr lang="en-US" b="1" dirty="0">
-                <a:solidFill>
-                  <a:srgbClr val="000000"/>
-                </a:solidFill>
-                <a:latin typeface="Courier New" charset="0"/>
-                <a:ea typeface="Courier New" charset="0"/>
-                <a:cs typeface="Courier New" charset="0"/>
-              </a:rPr>
-              <a:t>    ...</a:t>
-            </a:r>
-          </a:p>
         </p:txBody>
       </p:sp>
       <p:sp>
         <p:nvSpPr>
-          <p:cNvPr id="5" name="TextBox 4"/>
+          <p:cNvPr id="6" name="TextBox 5"/>
           <p:cNvSpPr txBox="1"/>
           <p:nvPr/>
         </p:nvSpPr>
         <p:spPr>
           <a:xfrm>
-            <a:off x="8542508" y="191881"/>
-            <a:ext cx="3631122" cy="923330"/>
+            <a:off x="7585245" y="206168"/>
+            <a:ext cx="4458272" cy="923330"/>
           </a:xfrm>
           <a:prstGeom prst="rect">
             <a:avLst/>
@@ -18573,6 +18629,29 @@
           <a:p>
             <a:r>
               <a:rPr lang="en-US" b="1" dirty="0" smtClean="0">
+                <a:latin typeface="Courier New" charset="0"/>
+                <a:ea typeface="Courier New" charset="0"/>
+                <a:cs typeface="Courier New" charset="0"/>
+              </a:rPr>
+              <a:t>views/</a:t>
+            </a:r>
+            <a:r>
+              <a:rPr lang="en-US" b="1" dirty="0" err="1" smtClean="0">
+                <a:latin typeface="Courier New" charset="0"/>
+                <a:ea typeface="Courier New" charset="0"/>
+                <a:cs typeface="Courier New" charset="0"/>
+              </a:rPr>
+              <a:t>views.py</a:t>
+            </a:r>
+            <a:endParaRPr lang="en-US" b="1" dirty="0">
+              <a:latin typeface="Courier New" charset="0"/>
+              <a:ea typeface="Courier New" charset="0"/>
+              <a:cs typeface="Courier New" charset="0"/>
+            </a:endParaRPr>
+          </a:p>
+          <a:p>
+            <a:r>
+              <a:rPr lang="en-US" b="1" dirty="0" smtClean="0">
                 <a:solidFill>
                   <a:srgbClr val="FFFF00"/>
                 </a:solidFill>
@@ -18580,7 +18659,7 @@
                 <a:ea typeface="Courier New" charset="0"/>
                 <a:cs typeface="Courier New" charset="0"/>
               </a:rPr>
-              <a:t>views/</a:t>
+              <a:t>views/views/templates/</a:t>
             </a:r>
             <a:r>
               <a:rPr lang="en-US" b="1" dirty="0" err="1" smtClean="0">
@@ -18591,7 +18670,7 @@
                 <a:ea typeface="Courier New" charset="0"/>
                 <a:cs typeface="Courier New" charset="0"/>
               </a:rPr>
-              <a:t>views.py</a:t>
+              <a:t>main.html</a:t>
             </a:r>
             <a:endParaRPr lang="en-US" b="1" dirty="0">
               <a:solidFill>
@@ -18602,35 +18681,12 @@
               <a:cs typeface="Courier New" charset="0"/>
             </a:endParaRPr>
           </a:p>
-          <a:p>
-            <a:r>
-              <a:rPr lang="en-US" b="1" dirty="0" smtClean="0">
-                <a:latin typeface="Courier New" charset="0"/>
-                <a:ea typeface="Courier New" charset="0"/>
-                <a:cs typeface="Courier New" charset="0"/>
-              </a:rPr>
-              <a:t>views/templates/</a:t>
-            </a:r>
-            <a:r>
-              <a:rPr lang="en-US" b="1" dirty="0" err="1" smtClean="0">
-                <a:latin typeface="Courier New" charset="0"/>
-                <a:ea typeface="Courier New" charset="0"/>
-                <a:cs typeface="Courier New" charset="0"/>
-              </a:rPr>
-              <a:t>main.html</a:t>
-            </a:r>
-            <a:endParaRPr lang="en-US" b="1" dirty="0">
-              <a:latin typeface="Courier New" charset="0"/>
-              <a:ea typeface="Courier New" charset="0"/>
-              <a:cs typeface="Courier New" charset="0"/>
-            </a:endParaRPr>
-          </a:p>
         </p:txBody>
       </p:sp>
     </p:spTree>
     <p:extLst>
       <p:ext uri="{BB962C8B-B14F-4D97-AF65-F5344CB8AC3E}">
-        <p14:creationId xmlns:p14="http://schemas.microsoft.com/office/powerpoint/2010/main" val="153490284"/>
+        <p14:creationId xmlns:p14="http://schemas.microsoft.com/office/powerpoint/2010/main" val="1058577490"/>
       </p:ext>
     </p:extLst>
   </p:cSld>

--- a/lectures/DJ-06-Views-Templates.pptx
+++ b/lectures/DJ-06-Views-Templates.pptx
@@ -218,7 +218,7 @@
           <a:p>
             <a:fld id="{C97B56FC-7D2E-F343-9D09-0D14B00AA564}" type="datetimeFigureOut">
               <a:rPr lang="en-US" smtClean="0"/>
-              <a:t>9/22/19</a:t>
+              <a:t>9/23/19</a:t>
             </a:fld>
             <a:endParaRPr lang="en-US"/>
           </a:p>
@@ -615,7 +615,7 @@
           <a:p>
             <a:fld id="{EEE7C04C-7AF8-1445-A186-502B631B934F}" type="datetimeFigureOut">
               <a:rPr lang="en-US" smtClean="0"/>
-              <a:t>9/22/19</a:t>
+              <a:t>9/23/19</a:t>
             </a:fld>
             <a:endParaRPr lang="en-US"/>
           </a:p>
@@ -780,7 +780,7 @@
           <a:p>
             <a:fld id="{EEE7C04C-7AF8-1445-A186-502B631B934F}" type="datetimeFigureOut">
               <a:rPr lang="en-US" smtClean="0"/>
-              <a:t>9/22/19</a:t>
+              <a:t>9/23/19</a:t>
             </a:fld>
             <a:endParaRPr lang="en-US"/>
           </a:p>
@@ -955,7 +955,7 @@
           <a:p>
             <a:fld id="{EEE7C04C-7AF8-1445-A186-502B631B934F}" type="datetimeFigureOut">
               <a:rPr lang="en-US" smtClean="0"/>
-              <a:t>9/22/19</a:t>
+              <a:t>9/23/19</a:t>
             </a:fld>
             <a:endParaRPr lang="en-US"/>
           </a:p>
@@ -1120,7 +1120,7 @@
           <a:p>
             <a:fld id="{EEE7C04C-7AF8-1445-A186-502B631B934F}" type="datetimeFigureOut">
               <a:rPr lang="en-US" smtClean="0"/>
-              <a:t>9/22/19</a:t>
+              <a:t>9/23/19</a:t>
             </a:fld>
             <a:endParaRPr lang="en-US"/>
           </a:p>
@@ -1361,7 +1361,7 @@
           <a:p>
             <a:fld id="{EEE7C04C-7AF8-1445-A186-502B631B934F}" type="datetimeFigureOut">
               <a:rPr lang="en-US" smtClean="0"/>
-              <a:t>9/22/19</a:t>
+              <a:t>9/23/19</a:t>
             </a:fld>
             <a:endParaRPr lang="en-US"/>
           </a:p>
@@ -1588,7 +1588,7 @@
           <a:p>
             <a:fld id="{EEE7C04C-7AF8-1445-A186-502B631B934F}" type="datetimeFigureOut">
               <a:rPr lang="en-US" smtClean="0"/>
-              <a:t>9/22/19</a:t>
+              <a:t>9/23/19</a:t>
             </a:fld>
             <a:endParaRPr lang="en-US"/>
           </a:p>
@@ -1950,7 +1950,7 @@
           <a:p>
             <a:fld id="{EEE7C04C-7AF8-1445-A186-502B631B934F}" type="datetimeFigureOut">
               <a:rPr lang="en-US" smtClean="0"/>
-              <a:t>9/22/19</a:t>
+              <a:t>9/23/19</a:t>
             </a:fld>
             <a:endParaRPr lang="en-US"/>
           </a:p>
@@ -2063,7 +2063,7 @@
           <a:p>
             <a:fld id="{EEE7C04C-7AF8-1445-A186-502B631B934F}" type="datetimeFigureOut">
               <a:rPr lang="en-US" smtClean="0"/>
-              <a:t>9/22/19</a:t>
+              <a:t>9/23/19</a:t>
             </a:fld>
             <a:endParaRPr lang="en-US"/>
           </a:p>
@@ -2153,7 +2153,7 @@
           <a:p>
             <a:fld id="{EEE7C04C-7AF8-1445-A186-502B631B934F}" type="datetimeFigureOut">
               <a:rPr lang="en-US" smtClean="0"/>
-              <a:t>9/22/19</a:t>
+              <a:t>9/23/19</a:t>
             </a:fld>
             <a:endParaRPr lang="en-US"/>
           </a:p>
@@ -2425,7 +2425,7 @@
           <a:p>
             <a:fld id="{EEE7C04C-7AF8-1445-A186-502B631B934F}" type="datetimeFigureOut">
               <a:rPr lang="en-US" smtClean="0"/>
-              <a:t>9/22/19</a:t>
+              <a:t>9/23/19</a:t>
             </a:fld>
             <a:endParaRPr lang="en-US"/>
           </a:p>
@@ -2677,7 +2677,7 @@
           <a:p>
             <a:fld id="{EEE7C04C-7AF8-1445-A186-502B631B934F}" type="datetimeFigureOut">
               <a:rPr lang="en-US" smtClean="0"/>
-              <a:t>9/22/19</a:t>
+              <a:t>9/23/19</a:t>
             </a:fld>
             <a:endParaRPr lang="en-US"/>
           </a:p>
@@ -2884,7 +2884,7 @@
           <a:p>
             <a:fld id="{EEE7C04C-7AF8-1445-A186-502B631B934F}" type="datetimeFigureOut">
               <a:rPr lang="en-US" smtClean="0"/>
-              <a:t>9/22/19</a:t>
+              <a:t>9/23/19</a:t>
             </a:fld>
             <a:endParaRPr lang="en-US"/>
           </a:p>
@@ -3302,10 +3302,10 @@
           <p:cNvPr id="10" name="Rectangle 9">
             <a:extLst>
               <a:ext uri="{FF2B5EF4-FFF2-40B4-BE49-F238E27FC236}">
-                <a16:creationId xmlns="" xmlns:a16="http://schemas.microsoft.com/office/drawing/2014/main" id="{E20EB187-900F-4AF5-813B-101456D9FD39}"/>
+                <a16:creationId xmlns:a16="http://schemas.microsoft.com/office/drawing/2014/main" xmlns="" id="{E20EB187-900F-4AF5-813B-101456D9FD39}"/>
               </a:ext>
               <a:ext uri="{C183D7F6-B498-43B3-948B-1728B52AA6E4}">
-                <adec:decorative xmlns="" xmlns:adec="http://schemas.microsoft.com/office/drawing/2017/decorative" val="1"/>
+                <adec:decorative xmlns:adec="http://schemas.microsoft.com/office/drawing/2017/decorative" xmlns="" val="1"/>
               </a:ext>
             </a:extLst>
           </p:cNvPr>
@@ -3455,10 +3455,10 @@
           <p:cNvPr id="12" name="Straight Connector 11">
             <a:extLst>
               <a:ext uri="{FF2B5EF4-FFF2-40B4-BE49-F238E27FC236}">
-                <a16:creationId xmlns="" xmlns:a16="http://schemas.microsoft.com/office/drawing/2014/main" id="{624D17C8-E9C2-48A4-AA36-D7048A6CCC41}"/>
+                <a16:creationId xmlns:a16="http://schemas.microsoft.com/office/drawing/2014/main" xmlns="" id="{624D17C8-E9C2-48A4-AA36-D7048A6CCC41}"/>
               </a:ext>
               <a:ext uri="{C183D7F6-B498-43B3-948B-1728B52AA6E4}">
-                <adec:decorative xmlns="" xmlns:adec="http://schemas.microsoft.com/office/drawing/2017/decorative" val="1"/>
+                <adec:decorative xmlns:adec="http://schemas.microsoft.com/office/drawing/2017/decorative" xmlns="" val="1"/>
               </a:ext>
             </a:extLst>
           </p:cNvPr>
@@ -15425,7 +15425,7 @@
         <p:spPr bwMode="auto">
           <a:xfrm>
             <a:off x="889397" y="5386475"/>
-            <a:ext cx="8309967" cy="307777"/>
+            <a:ext cx="3847207" cy="307777"/>
           </a:xfrm>
           <a:prstGeom prst="rect">
             <a:avLst/>
@@ -15630,23 +15630,7 @@
                 <a:ea typeface="Courier New" charset="0"/>
                 <a:cs typeface="Courier New" charset="0"/>
               </a:rPr>
-              <a:t>https://</a:t>
-            </a:r>
-            <a:r>
-              <a:rPr lang="en-US" altLang="en-US" sz="2000" dirty="0" err="1" smtClean="0">
-                <a:latin typeface="Courier New" charset="0"/>
-                <a:ea typeface="Courier New" charset="0"/>
-                <a:cs typeface="Courier New" charset="0"/>
-              </a:rPr>
-              <a:t>github.com</a:t>
-            </a:r>
-            <a:r>
-              <a:rPr lang="en-US" altLang="en-US" sz="2000" smtClean="0">
-                <a:latin typeface="Courier New" charset="0"/>
-                <a:ea typeface="Courier New" charset="0"/>
-                <a:cs typeface="Courier New" charset="0"/>
-              </a:rPr>
-              <a:t>/csev/dj4e-samples/blob/master/views</a:t>
+              <a:t>https://samples.dj4e.com/</a:t>
             </a:r>
             <a:endParaRPr lang="en-US" altLang="en-US" sz="2000" dirty="0">
               <a:latin typeface="Courier New" charset="0"/>
